--- a/Pres.pptx
+++ b/Pres.pptx
@@ -5,27 +5,29 @@
     <p:sldMasterId id="2147483684" r:id="rId1"/>
   </p:sldMasterIdLst>
   <p:notesMasterIdLst>
-    <p:notesMasterId r:id="rId20"/>
+    <p:notesMasterId r:id="rId22"/>
   </p:notesMasterIdLst>
   <p:sldIdLst>
     <p:sldId id="256" r:id="rId2"/>
-    <p:sldId id="257" r:id="rId3"/>
-    <p:sldId id="259" r:id="rId4"/>
-    <p:sldId id="260" r:id="rId5"/>
-    <p:sldId id="273" r:id="rId6"/>
-    <p:sldId id="269" r:id="rId7"/>
-    <p:sldId id="258" r:id="rId8"/>
-    <p:sldId id="261" r:id="rId9"/>
-    <p:sldId id="262" r:id="rId10"/>
-    <p:sldId id="263" r:id="rId11"/>
-    <p:sldId id="264" r:id="rId12"/>
-    <p:sldId id="265" r:id="rId13"/>
-    <p:sldId id="267" r:id="rId14"/>
-    <p:sldId id="266" r:id="rId15"/>
-    <p:sldId id="268" r:id="rId16"/>
-    <p:sldId id="271" r:id="rId17"/>
-    <p:sldId id="272" r:id="rId18"/>
-    <p:sldId id="270" r:id="rId19"/>
+    <p:sldId id="275" r:id="rId3"/>
+    <p:sldId id="257" r:id="rId4"/>
+    <p:sldId id="259" r:id="rId5"/>
+    <p:sldId id="260" r:id="rId6"/>
+    <p:sldId id="273" r:id="rId7"/>
+    <p:sldId id="269" r:id="rId8"/>
+    <p:sldId id="258" r:id="rId9"/>
+    <p:sldId id="261" r:id="rId10"/>
+    <p:sldId id="262" r:id="rId11"/>
+    <p:sldId id="263" r:id="rId12"/>
+    <p:sldId id="274" r:id="rId13"/>
+    <p:sldId id="264" r:id="rId14"/>
+    <p:sldId id="265" r:id="rId15"/>
+    <p:sldId id="267" r:id="rId16"/>
+    <p:sldId id="266" r:id="rId17"/>
+    <p:sldId id="268" r:id="rId18"/>
+    <p:sldId id="271" r:id="rId19"/>
+    <p:sldId id="272" r:id="rId20"/>
+    <p:sldId id="270" r:id="rId21"/>
   </p:sldIdLst>
   <p:sldSz cx="12192000" cy="6858000"/>
   <p:notesSz cx="6858000" cy="9144000"/>
@@ -125,6 +127,2976 @@
     </a:lvl9pPr>
   </p:defaultTextStyle>
 </p:presentation>
+</file>
+
+<file path=ppt/diagrams/colors1.xml><?xml version="1.0" encoding="utf-8"?>
+<dgm:colorsDef xmlns:dgm="http://schemas.openxmlformats.org/drawingml/2006/diagram" xmlns:a="http://schemas.openxmlformats.org/drawingml/2006/main" uniqueId="urn:microsoft.com/office/officeart/2005/8/colors/accent1_2">
+  <dgm:title val=""/>
+  <dgm:desc val=""/>
+  <dgm:catLst>
+    <dgm:cat type="accent1" pri="11200"/>
+  </dgm:catLst>
+  <dgm:styleLbl name="node0">
+    <dgm:fillClrLst meth="repeat">
+      <a:schemeClr val="accent1"/>
+    </dgm:fillClrLst>
+    <dgm:linClrLst meth="repeat">
+      <a:schemeClr val="lt1"/>
+    </dgm:linClrLst>
+    <dgm:effectClrLst/>
+    <dgm:txLinClrLst/>
+    <dgm:txFillClrLst/>
+    <dgm:txEffectClrLst/>
+  </dgm:styleLbl>
+  <dgm:styleLbl name="alignNode1">
+    <dgm:fillClrLst meth="repeat">
+      <a:schemeClr val="accent1"/>
+    </dgm:fillClrLst>
+    <dgm:linClrLst meth="repeat">
+      <a:schemeClr val="accent1"/>
+    </dgm:linClrLst>
+    <dgm:effectClrLst/>
+    <dgm:txLinClrLst/>
+    <dgm:txFillClrLst/>
+    <dgm:txEffectClrLst/>
+  </dgm:styleLbl>
+  <dgm:styleLbl name="node1">
+    <dgm:fillClrLst meth="repeat">
+      <a:schemeClr val="accent1"/>
+    </dgm:fillClrLst>
+    <dgm:linClrLst meth="repeat">
+      <a:schemeClr val="lt1"/>
+    </dgm:linClrLst>
+    <dgm:effectClrLst/>
+    <dgm:txLinClrLst/>
+    <dgm:txFillClrLst/>
+    <dgm:txEffectClrLst/>
+  </dgm:styleLbl>
+  <dgm:styleLbl name="lnNode1">
+    <dgm:fillClrLst meth="repeat">
+      <a:schemeClr val="accent1"/>
+    </dgm:fillClrLst>
+    <dgm:linClrLst meth="repeat">
+      <a:schemeClr val="lt1"/>
+    </dgm:linClrLst>
+    <dgm:effectClrLst/>
+    <dgm:txLinClrLst/>
+    <dgm:txFillClrLst/>
+    <dgm:txEffectClrLst/>
+  </dgm:styleLbl>
+  <dgm:styleLbl name="vennNode1">
+    <dgm:fillClrLst meth="repeat">
+      <a:schemeClr val="accent1">
+        <a:alpha val="50000"/>
+      </a:schemeClr>
+    </dgm:fillClrLst>
+    <dgm:linClrLst meth="repeat">
+      <a:schemeClr val="lt1"/>
+    </dgm:linClrLst>
+    <dgm:effectClrLst/>
+    <dgm:txLinClrLst/>
+    <dgm:txFillClrLst/>
+    <dgm:txEffectClrLst/>
+  </dgm:styleLbl>
+  <dgm:styleLbl name="node2">
+    <dgm:fillClrLst meth="repeat">
+      <a:schemeClr val="accent1"/>
+    </dgm:fillClrLst>
+    <dgm:linClrLst meth="repeat">
+      <a:schemeClr val="lt1"/>
+    </dgm:linClrLst>
+    <dgm:effectClrLst/>
+    <dgm:txLinClrLst/>
+    <dgm:txFillClrLst/>
+    <dgm:txEffectClrLst/>
+  </dgm:styleLbl>
+  <dgm:styleLbl name="node3">
+    <dgm:fillClrLst meth="repeat">
+      <a:schemeClr val="accent1"/>
+    </dgm:fillClrLst>
+    <dgm:linClrLst meth="repeat">
+      <a:schemeClr val="lt1"/>
+    </dgm:linClrLst>
+    <dgm:effectClrLst/>
+    <dgm:txLinClrLst/>
+    <dgm:txFillClrLst/>
+    <dgm:txEffectClrLst/>
+  </dgm:styleLbl>
+  <dgm:styleLbl name="node4">
+    <dgm:fillClrLst meth="repeat">
+      <a:schemeClr val="accent1"/>
+    </dgm:fillClrLst>
+    <dgm:linClrLst meth="repeat">
+      <a:schemeClr val="lt1"/>
+    </dgm:linClrLst>
+    <dgm:effectClrLst/>
+    <dgm:txLinClrLst/>
+    <dgm:txFillClrLst/>
+    <dgm:txEffectClrLst/>
+  </dgm:styleLbl>
+  <dgm:styleLbl name="fgImgPlace1">
+    <dgm:fillClrLst meth="repeat">
+      <a:schemeClr val="accent1">
+        <a:tint val="50000"/>
+      </a:schemeClr>
+    </dgm:fillClrLst>
+    <dgm:linClrLst meth="repeat">
+      <a:schemeClr val="lt1"/>
+    </dgm:linClrLst>
+    <dgm:effectClrLst/>
+    <dgm:txLinClrLst/>
+    <dgm:txFillClrLst meth="repeat">
+      <a:schemeClr val="lt1"/>
+    </dgm:txFillClrLst>
+    <dgm:txEffectClrLst/>
+  </dgm:styleLbl>
+  <dgm:styleLbl name="alignImgPlace1">
+    <dgm:fillClrLst meth="repeat">
+      <a:schemeClr val="accent1">
+        <a:tint val="50000"/>
+      </a:schemeClr>
+    </dgm:fillClrLst>
+    <dgm:linClrLst meth="repeat">
+      <a:schemeClr val="lt1"/>
+    </dgm:linClrLst>
+    <dgm:effectClrLst/>
+    <dgm:txLinClrLst/>
+    <dgm:txFillClrLst meth="repeat">
+      <a:schemeClr val="lt1"/>
+    </dgm:txFillClrLst>
+    <dgm:txEffectClrLst/>
+  </dgm:styleLbl>
+  <dgm:styleLbl name="bgImgPlace1">
+    <dgm:fillClrLst meth="repeat">
+      <a:schemeClr val="accent1">
+        <a:tint val="50000"/>
+      </a:schemeClr>
+    </dgm:fillClrLst>
+    <dgm:linClrLst meth="repeat">
+      <a:schemeClr val="lt1"/>
+    </dgm:linClrLst>
+    <dgm:effectClrLst/>
+    <dgm:txLinClrLst/>
+    <dgm:txFillClrLst meth="repeat">
+      <a:schemeClr val="lt1"/>
+    </dgm:txFillClrLst>
+    <dgm:txEffectClrLst/>
+  </dgm:styleLbl>
+  <dgm:styleLbl name="sibTrans2D1">
+    <dgm:fillClrLst meth="repeat">
+      <a:schemeClr val="accent1">
+        <a:tint val="60000"/>
+      </a:schemeClr>
+    </dgm:fillClrLst>
+    <dgm:linClrLst meth="repeat">
+      <a:schemeClr val="accent1">
+        <a:tint val="60000"/>
+      </a:schemeClr>
+    </dgm:linClrLst>
+    <dgm:effectClrLst/>
+    <dgm:txLinClrLst/>
+    <dgm:txFillClrLst/>
+    <dgm:txEffectClrLst/>
+  </dgm:styleLbl>
+  <dgm:styleLbl name="fgSibTrans2D1">
+    <dgm:fillClrLst meth="repeat">
+      <a:schemeClr val="accent1">
+        <a:tint val="60000"/>
+      </a:schemeClr>
+    </dgm:fillClrLst>
+    <dgm:linClrLst meth="repeat">
+      <a:schemeClr val="accent1">
+        <a:tint val="60000"/>
+      </a:schemeClr>
+    </dgm:linClrLst>
+    <dgm:effectClrLst/>
+    <dgm:txLinClrLst/>
+    <dgm:txFillClrLst/>
+    <dgm:txEffectClrLst/>
+  </dgm:styleLbl>
+  <dgm:styleLbl name="bgSibTrans2D1">
+    <dgm:fillClrLst meth="repeat">
+      <a:schemeClr val="accent1">
+        <a:tint val="60000"/>
+      </a:schemeClr>
+    </dgm:fillClrLst>
+    <dgm:linClrLst meth="repeat">
+      <a:schemeClr val="accent1">
+        <a:tint val="60000"/>
+      </a:schemeClr>
+    </dgm:linClrLst>
+    <dgm:effectClrLst/>
+    <dgm:txLinClrLst/>
+    <dgm:txFillClrLst/>
+    <dgm:txEffectClrLst/>
+  </dgm:styleLbl>
+  <dgm:styleLbl name="sibTrans1D1">
+    <dgm:fillClrLst meth="repeat">
+      <a:schemeClr val="accent1"/>
+    </dgm:fillClrLst>
+    <dgm:linClrLst meth="repeat">
+      <a:schemeClr val="accent1"/>
+    </dgm:linClrLst>
+    <dgm:effectClrLst/>
+    <dgm:txLinClrLst/>
+    <dgm:txFillClrLst meth="repeat">
+      <a:schemeClr val="tx1"/>
+    </dgm:txFillClrLst>
+    <dgm:txEffectClrLst/>
+  </dgm:styleLbl>
+  <dgm:styleLbl name="callout">
+    <dgm:fillClrLst meth="repeat">
+      <a:schemeClr val="accent1"/>
+    </dgm:fillClrLst>
+    <dgm:linClrLst meth="repeat">
+      <a:schemeClr val="accent1">
+        <a:tint val="50000"/>
+      </a:schemeClr>
+    </dgm:linClrLst>
+    <dgm:effectClrLst/>
+    <dgm:txLinClrLst/>
+    <dgm:txFillClrLst meth="repeat">
+      <a:schemeClr val="tx1"/>
+    </dgm:txFillClrLst>
+    <dgm:txEffectClrLst/>
+  </dgm:styleLbl>
+  <dgm:styleLbl name="asst0">
+    <dgm:fillClrLst meth="repeat">
+      <a:schemeClr val="accent1"/>
+    </dgm:fillClrLst>
+    <dgm:linClrLst meth="repeat">
+      <a:schemeClr val="lt1"/>
+    </dgm:linClrLst>
+    <dgm:effectClrLst/>
+    <dgm:txLinClrLst/>
+    <dgm:txFillClrLst/>
+    <dgm:txEffectClrLst/>
+  </dgm:styleLbl>
+  <dgm:styleLbl name="asst1">
+    <dgm:fillClrLst meth="repeat">
+      <a:schemeClr val="accent1"/>
+    </dgm:fillClrLst>
+    <dgm:linClrLst meth="repeat">
+      <a:schemeClr val="lt1"/>
+    </dgm:linClrLst>
+    <dgm:effectClrLst/>
+    <dgm:txLinClrLst/>
+    <dgm:txFillClrLst/>
+    <dgm:txEffectClrLst/>
+  </dgm:styleLbl>
+  <dgm:styleLbl name="asst2">
+    <dgm:fillClrLst meth="repeat">
+      <a:schemeClr val="accent1"/>
+    </dgm:fillClrLst>
+    <dgm:linClrLst meth="repeat">
+      <a:schemeClr val="lt1"/>
+    </dgm:linClrLst>
+    <dgm:effectClrLst/>
+    <dgm:txLinClrLst/>
+    <dgm:txFillClrLst/>
+    <dgm:txEffectClrLst/>
+  </dgm:styleLbl>
+  <dgm:styleLbl name="asst3">
+    <dgm:fillClrLst meth="repeat">
+      <a:schemeClr val="accent1"/>
+    </dgm:fillClrLst>
+    <dgm:linClrLst meth="repeat">
+      <a:schemeClr val="lt1"/>
+    </dgm:linClrLst>
+    <dgm:effectClrLst/>
+    <dgm:txLinClrLst/>
+    <dgm:txFillClrLst/>
+    <dgm:txEffectClrLst/>
+  </dgm:styleLbl>
+  <dgm:styleLbl name="asst4">
+    <dgm:fillClrLst meth="repeat">
+      <a:schemeClr val="accent1"/>
+    </dgm:fillClrLst>
+    <dgm:linClrLst meth="repeat">
+      <a:schemeClr val="lt1"/>
+    </dgm:linClrLst>
+    <dgm:effectClrLst/>
+    <dgm:txLinClrLst/>
+    <dgm:txFillClrLst/>
+    <dgm:txEffectClrLst/>
+  </dgm:styleLbl>
+  <dgm:styleLbl name="parChTrans2D1">
+    <dgm:fillClrLst meth="repeat">
+      <a:schemeClr val="accent1">
+        <a:tint val="60000"/>
+      </a:schemeClr>
+    </dgm:fillClrLst>
+    <dgm:linClrLst meth="repeat">
+      <a:schemeClr val="accent1">
+        <a:tint val="60000"/>
+      </a:schemeClr>
+    </dgm:linClrLst>
+    <dgm:effectClrLst/>
+    <dgm:txLinClrLst/>
+    <dgm:txFillClrLst meth="repeat">
+      <a:schemeClr val="lt1"/>
+    </dgm:txFillClrLst>
+    <dgm:txEffectClrLst/>
+  </dgm:styleLbl>
+  <dgm:styleLbl name="parChTrans2D2">
+    <dgm:fillClrLst meth="repeat">
+      <a:schemeClr val="accent1"/>
+    </dgm:fillClrLst>
+    <dgm:linClrLst meth="repeat">
+      <a:schemeClr val="accent1"/>
+    </dgm:linClrLst>
+    <dgm:effectClrLst/>
+    <dgm:txLinClrLst/>
+    <dgm:txFillClrLst meth="repeat">
+      <a:schemeClr val="lt1"/>
+    </dgm:txFillClrLst>
+    <dgm:txEffectClrLst/>
+  </dgm:styleLbl>
+  <dgm:styleLbl name="parChTrans2D3">
+    <dgm:fillClrLst meth="repeat">
+      <a:schemeClr val="accent1"/>
+    </dgm:fillClrLst>
+    <dgm:linClrLst meth="repeat">
+      <a:schemeClr val="accent1"/>
+    </dgm:linClrLst>
+    <dgm:effectClrLst/>
+    <dgm:txLinClrLst/>
+    <dgm:txFillClrLst meth="repeat">
+      <a:schemeClr val="lt1"/>
+    </dgm:txFillClrLst>
+    <dgm:txEffectClrLst/>
+  </dgm:styleLbl>
+  <dgm:styleLbl name="parChTrans2D4">
+    <dgm:fillClrLst meth="repeat">
+      <a:schemeClr val="accent1"/>
+    </dgm:fillClrLst>
+    <dgm:linClrLst meth="repeat">
+      <a:schemeClr val="accent1"/>
+    </dgm:linClrLst>
+    <dgm:effectClrLst/>
+    <dgm:txLinClrLst/>
+    <dgm:txFillClrLst meth="repeat">
+      <a:schemeClr val="lt1"/>
+    </dgm:txFillClrLst>
+    <dgm:txEffectClrLst/>
+  </dgm:styleLbl>
+  <dgm:styleLbl name="parChTrans1D1">
+    <dgm:fillClrLst meth="repeat">
+      <a:schemeClr val="accent1"/>
+    </dgm:fillClrLst>
+    <dgm:linClrLst meth="repeat">
+      <a:schemeClr val="accent1">
+        <a:shade val="60000"/>
+      </a:schemeClr>
+    </dgm:linClrLst>
+    <dgm:effectClrLst/>
+    <dgm:txLinClrLst/>
+    <dgm:txFillClrLst meth="repeat">
+      <a:schemeClr val="tx1"/>
+    </dgm:txFillClrLst>
+    <dgm:txEffectClrLst/>
+  </dgm:styleLbl>
+  <dgm:styleLbl name="parChTrans1D2">
+    <dgm:fillClrLst meth="repeat">
+      <a:schemeClr val="accent1"/>
+    </dgm:fillClrLst>
+    <dgm:linClrLst meth="repeat">
+      <a:schemeClr val="accent1">
+        <a:shade val="60000"/>
+      </a:schemeClr>
+    </dgm:linClrLst>
+    <dgm:effectClrLst/>
+    <dgm:txLinClrLst/>
+    <dgm:txFillClrLst meth="repeat">
+      <a:schemeClr val="tx1"/>
+    </dgm:txFillClrLst>
+    <dgm:txEffectClrLst/>
+  </dgm:styleLbl>
+  <dgm:styleLbl name="parChTrans1D3">
+    <dgm:fillClrLst meth="repeat">
+      <a:schemeClr val="accent1"/>
+    </dgm:fillClrLst>
+    <dgm:linClrLst meth="repeat">
+      <a:schemeClr val="accent1">
+        <a:shade val="80000"/>
+      </a:schemeClr>
+    </dgm:linClrLst>
+    <dgm:effectClrLst/>
+    <dgm:txLinClrLst/>
+    <dgm:txFillClrLst meth="repeat">
+      <a:schemeClr val="tx1"/>
+    </dgm:txFillClrLst>
+    <dgm:txEffectClrLst/>
+  </dgm:styleLbl>
+  <dgm:styleLbl name="parChTrans1D4">
+    <dgm:fillClrLst meth="repeat">
+      <a:schemeClr val="accent1"/>
+    </dgm:fillClrLst>
+    <dgm:linClrLst meth="repeat">
+      <a:schemeClr val="accent1">
+        <a:shade val="80000"/>
+      </a:schemeClr>
+    </dgm:linClrLst>
+    <dgm:effectClrLst/>
+    <dgm:txLinClrLst/>
+    <dgm:txFillClrLst meth="repeat">
+      <a:schemeClr val="tx1"/>
+    </dgm:txFillClrLst>
+    <dgm:txEffectClrLst/>
+  </dgm:styleLbl>
+  <dgm:styleLbl name="fgAcc1">
+    <dgm:fillClrLst meth="repeat">
+      <a:schemeClr val="lt1">
+        <a:alpha val="90000"/>
+      </a:schemeClr>
+    </dgm:fillClrLst>
+    <dgm:linClrLst meth="repeat">
+      <a:schemeClr val="accent1"/>
+    </dgm:linClrLst>
+    <dgm:effectClrLst/>
+    <dgm:txLinClrLst/>
+    <dgm:txFillClrLst meth="repeat">
+      <a:schemeClr val="dk1"/>
+    </dgm:txFillClrLst>
+    <dgm:txEffectClrLst/>
+  </dgm:styleLbl>
+  <dgm:styleLbl name="conFgAcc1">
+    <dgm:fillClrLst meth="repeat">
+      <a:schemeClr val="lt1">
+        <a:alpha val="90000"/>
+      </a:schemeClr>
+    </dgm:fillClrLst>
+    <dgm:linClrLst meth="repeat">
+      <a:schemeClr val="accent1"/>
+    </dgm:linClrLst>
+    <dgm:effectClrLst/>
+    <dgm:txLinClrLst/>
+    <dgm:txFillClrLst meth="repeat">
+      <a:schemeClr val="dk1"/>
+    </dgm:txFillClrLst>
+    <dgm:txEffectClrLst/>
+  </dgm:styleLbl>
+  <dgm:styleLbl name="alignAcc1">
+    <dgm:fillClrLst meth="repeat">
+      <a:schemeClr val="lt1">
+        <a:alpha val="90000"/>
+      </a:schemeClr>
+    </dgm:fillClrLst>
+    <dgm:linClrLst meth="repeat">
+      <a:schemeClr val="accent1"/>
+    </dgm:linClrLst>
+    <dgm:effectClrLst/>
+    <dgm:txLinClrLst/>
+    <dgm:txFillClrLst meth="repeat">
+      <a:schemeClr val="dk1"/>
+    </dgm:txFillClrLst>
+    <dgm:txEffectClrLst/>
+  </dgm:styleLbl>
+  <dgm:styleLbl name="trAlignAcc1">
+    <dgm:fillClrLst meth="repeat">
+      <a:schemeClr val="lt1">
+        <a:alpha val="40000"/>
+      </a:schemeClr>
+    </dgm:fillClrLst>
+    <dgm:linClrLst meth="repeat">
+      <a:schemeClr val="accent1"/>
+    </dgm:linClrLst>
+    <dgm:effectClrLst/>
+    <dgm:txLinClrLst/>
+    <dgm:txFillClrLst meth="repeat">
+      <a:schemeClr val="dk1"/>
+    </dgm:txFillClrLst>
+    <dgm:txEffectClrLst/>
+  </dgm:styleLbl>
+  <dgm:styleLbl name="bgAcc1">
+    <dgm:fillClrLst meth="repeat">
+      <a:schemeClr val="lt1">
+        <a:alpha val="90000"/>
+      </a:schemeClr>
+    </dgm:fillClrLst>
+    <dgm:linClrLst meth="repeat">
+      <a:schemeClr val="accent1"/>
+    </dgm:linClrLst>
+    <dgm:effectClrLst/>
+    <dgm:txLinClrLst/>
+    <dgm:txFillClrLst meth="repeat">
+      <a:schemeClr val="dk1"/>
+    </dgm:txFillClrLst>
+    <dgm:txEffectClrLst/>
+  </dgm:styleLbl>
+  <dgm:styleLbl name="solidFgAcc1">
+    <dgm:fillClrLst meth="repeat">
+      <a:schemeClr val="lt1"/>
+    </dgm:fillClrLst>
+    <dgm:linClrLst meth="repeat">
+      <a:schemeClr val="accent1"/>
+    </dgm:linClrLst>
+    <dgm:effectClrLst/>
+    <dgm:txLinClrLst/>
+    <dgm:txFillClrLst meth="repeat">
+      <a:schemeClr val="dk1"/>
+    </dgm:txFillClrLst>
+    <dgm:txEffectClrLst/>
+  </dgm:styleLbl>
+  <dgm:styleLbl name="solidAlignAcc1">
+    <dgm:fillClrLst meth="repeat">
+      <a:schemeClr val="lt1"/>
+    </dgm:fillClrLst>
+    <dgm:linClrLst meth="repeat">
+      <a:schemeClr val="accent1"/>
+    </dgm:linClrLst>
+    <dgm:effectClrLst/>
+    <dgm:txLinClrLst/>
+    <dgm:txFillClrLst meth="repeat">
+      <a:schemeClr val="dk1"/>
+    </dgm:txFillClrLst>
+    <dgm:txEffectClrLst/>
+  </dgm:styleLbl>
+  <dgm:styleLbl name="solidBgAcc1">
+    <dgm:fillClrLst meth="repeat">
+      <a:schemeClr val="lt1"/>
+    </dgm:fillClrLst>
+    <dgm:linClrLst meth="repeat">
+      <a:schemeClr val="accent1"/>
+    </dgm:linClrLst>
+    <dgm:effectClrLst/>
+    <dgm:txLinClrLst/>
+    <dgm:txFillClrLst meth="repeat">
+      <a:schemeClr val="dk1"/>
+    </dgm:txFillClrLst>
+    <dgm:txEffectClrLst/>
+  </dgm:styleLbl>
+  <dgm:styleLbl name="fgAccFollowNode1">
+    <dgm:fillClrLst meth="repeat">
+      <a:schemeClr val="accent1">
+        <a:alpha val="90000"/>
+        <a:tint val="40000"/>
+      </a:schemeClr>
+    </dgm:fillClrLst>
+    <dgm:linClrLst meth="repeat">
+      <a:schemeClr val="accent1">
+        <a:alpha val="90000"/>
+        <a:tint val="40000"/>
+      </a:schemeClr>
+    </dgm:linClrLst>
+    <dgm:effectClrLst/>
+    <dgm:txLinClrLst/>
+    <dgm:txFillClrLst meth="repeat">
+      <a:schemeClr val="dk1"/>
+    </dgm:txFillClrLst>
+    <dgm:txEffectClrLst/>
+  </dgm:styleLbl>
+  <dgm:styleLbl name="alignAccFollowNode1">
+    <dgm:fillClrLst meth="repeat">
+      <a:schemeClr val="accent1">
+        <a:alpha val="90000"/>
+        <a:tint val="40000"/>
+      </a:schemeClr>
+    </dgm:fillClrLst>
+    <dgm:linClrLst meth="repeat">
+      <a:schemeClr val="accent1">
+        <a:alpha val="90000"/>
+        <a:tint val="40000"/>
+      </a:schemeClr>
+    </dgm:linClrLst>
+    <dgm:effectClrLst/>
+    <dgm:txLinClrLst/>
+    <dgm:txFillClrLst meth="repeat">
+      <a:schemeClr val="dk1"/>
+    </dgm:txFillClrLst>
+    <dgm:txEffectClrLst/>
+  </dgm:styleLbl>
+  <dgm:styleLbl name="bgAccFollowNode1">
+    <dgm:fillClrLst meth="repeat">
+      <a:schemeClr val="accent1">
+        <a:alpha val="90000"/>
+        <a:tint val="40000"/>
+      </a:schemeClr>
+    </dgm:fillClrLst>
+    <dgm:linClrLst meth="repeat">
+      <a:schemeClr val="accent1">
+        <a:alpha val="90000"/>
+        <a:tint val="40000"/>
+      </a:schemeClr>
+    </dgm:linClrLst>
+    <dgm:effectClrLst/>
+    <dgm:txLinClrLst/>
+    <dgm:txFillClrLst meth="repeat">
+      <a:schemeClr val="dk1"/>
+    </dgm:txFillClrLst>
+    <dgm:txEffectClrLst/>
+  </dgm:styleLbl>
+  <dgm:styleLbl name="fgAcc0">
+    <dgm:fillClrLst meth="repeat">
+      <a:schemeClr val="lt1">
+        <a:alpha val="90000"/>
+      </a:schemeClr>
+    </dgm:fillClrLst>
+    <dgm:linClrLst meth="repeat">
+      <a:schemeClr val="accent1"/>
+    </dgm:linClrLst>
+    <dgm:effectClrLst/>
+    <dgm:txLinClrLst/>
+    <dgm:txFillClrLst meth="repeat">
+      <a:schemeClr val="dk1"/>
+    </dgm:txFillClrLst>
+    <dgm:txEffectClrLst/>
+  </dgm:styleLbl>
+  <dgm:styleLbl name="fgAcc2">
+    <dgm:fillClrLst meth="repeat">
+      <a:schemeClr val="lt1">
+        <a:alpha val="90000"/>
+      </a:schemeClr>
+    </dgm:fillClrLst>
+    <dgm:linClrLst meth="repeat">
+      <a:schemeClr val="accent1"/>
+    </dgm:linClrLst>
+    <dgm:effectClrLst/>
+    <dgm:txLinClrLst/>
+    <dgm:txFillClrLst meth="repeat">
+      <a:schemeClr val="dk1"/>
+    </dgm:txFillClrLst>
+    <dgm:txEffectClrLst/>
+  </dgm:styleLbl>
+  <dgm:styleLbl name="fgAcc3">
+    <dgm:fillClrLst meth="repeat">
+      <a:schemeClr val="lt1">
+        <a:alpha val="90000"/>
+      </a:schemeClr>
+    </dgm:fillClrLst>
+    <dgm:linClrLst meth="repeat">
+      <a:schemeClr val="accent1"/>
+    </dgm:linClrLst>
+    <dgm:effectClrLst/>
+    <dgm:txLinClrLst/>
+    <dgm:txFillClrLst meth="repeat">
+      <a:schemeClr val="dk1"/>
+    </dgm:txFillClrLst>
+    <dgm:txEffectClrLst/>
+  </dgm:styleLbl>
+  <dgm:styleLbl name="fgAcc4">
+    <dgm:fillClrLst meth="repeat">
+      <a:schemeClr val="lt1">
+        <a:alpha val="90000"/>
+      </a:schemeClr>
+    </dgm:fillClrLst>
+    <dgm:linClrLst meth="repeat">
+      <a:schemeClr val="accent1"/>
+    </dgm:linClrLst>
+    <dgm:effectClrLst/>
+    <dgm:txLinClrLst/>
+    <dgm:txFillClrLst meth="repeat">
+      <a:schemeClr val="dk1"/>
+    </dgm:txFillClrLst>
+    <dgm:txEffectClrLst/>
+  </dgm:styleLbl>
+  <dgm:styleLbl name="bgShp">
+    <dgm:fillClrLst meth="repeat">
+      <a:schemeClr val="accent1">
+        <a:tint val="40000"/>
+      </a:schemeClr>
+    </dgm:fillClrLst>
+    <dgm:linClrLst meth="repeat">
+      <a:schemeClr val="accent1"/>
+    </dgm:linClrLst>
+    <dgm:effectClrLst/>
+    <dgm:txLinClrLst/>
+    <dgm:txFillClrLst meth="repeat">
+      <a:schemeClr val="dk1"/>
+    </dgm:txFillClrLst>
+    <dgm:txEffectClrLst/>
+  </dgm:styleLbl>
+  <dgm:styleLbl name="dkBgShp">
+    <dgm:fillClrLst meth="repeat">
+      <a:schemeClr val="accent1">
+        <a:shade val="80000"/>
+      </a:schemeClr>
+    </dgm:fillClrLst>
+    <dgm:linClrLst meth="repeat">
+      <a:schemeClr val="accent1"/>
+    </dgm:linClrLst>
+    <dgm:effectClrLst/>
+    <dgm:txLinClrLst/>
+    <dgm:txFillClrLst meth="repeat">
+      <a:schemeClr val="lt1"/>
+    </dgm:txFillClrLst>
+    <dgm:txEffectClrLst/>
+  </dgm:styleLbl>
+  <dgm:styleLbl name="trBgShp">
+    <dgm:fillClrLst meth="repeat">
+      <a:schemeClr val="accent1">
+        <a:tint val="50000"/>
+        <a:alpha val="40000"/>
+      </a:schemeClr>
+    </dgm:fillClrLst>
+    <dgm:linClrLst meth="repeat">
+      <a:schemeClr val="accent1"/>
+    </dgm:linClrLst>
+    <dgm:effectClrLst/>
+    <dgm:txLinClrLst/>
+    <dgm:txFillClrLst meth="repeat">
+      <a:schemeClr val="lt1"/>
+    </dgm:txFillClrLst>
+    <dgm:txEffectClrLst/>
+  </dgm:styleLbl>
+  <dgm:styleLbl name="fgShp">
+    <dgm:fillClrLst meth="repeat">
+      <a:schemeClr val="accent1">
+        <a:tint val="60000"/>
+      </a:schemeClr>
+    </dgm:fillClrLst>
+    <dgm:linClrLst meth="repeat">
+      <a:schemeClr val="lt1"/>
+    </dgm:linClrLst>
+    <dgm:effectClrLst/>
+    <dgm:txLinClrLst/>
+    <dgm:txFillClrLst meth="repeat">
+      <a:schemeClr val="dk1"/>
+    </dgm:txFillClrLst>
+    <dgm:txEffectClrLst/>
+  </dgm:styleLbl>
+  <dgm:styleLbl name="revTx">
+    <dgm:fillClrLst meth="repeat">
+      <a:schemeClr val="lt1">
+        <a:alpha val="0"/>
+      </a:schemeClr>
+    </dgm:fillClrLst>
+    <dgm:linClrLst meth="repeat">
+      <a:schemeClr val="dk1">
+        <a:alpha val="0"/>
+      </a:schemeClr>
+    </dgm:linClrLst>
+    <dgm:effectClrLst/>
+    <dgm:txLinClrLst/>
+    <dgm:txFillClrLst meth="repeat">
+      <a:schemeClr val="tx1"/>
+    </dgm:txFillClrLst>
+    <dgm:txEffectClrLst/>
+  </dgm:styleLbl>
+</dgm:colorsDef>
+</file>
+
+<file path=ppt/diagrams/data1.xml><?xml version="1.0" encoding="utf-8"?>
+<dgm:dataModel xmlns:dgm="http://schemas.openxmlformats.org/drawingml/2006/diagram" xmlns:a="http://schemas.openxmlformats.org/drawingml/2006/main">
+  <dgm:ptLst>
+    <dgm:pt modelId="{E2F241E0-E60D-41DE-93B2-E154D00C8870}" type="doc">
+      <dgm:prSet loTypeId="urn:microsoft.com/office/officeart/2005/8/layout/cycle6" loCatId="relationship" qsTypeId="urn:microsoft.com/office/officeart/2005/8/quickstyle/simple1" qsCatId="simple" csTypeId="urn:microsoft.com/office/officeart/2005/8/colors/accent1_2" csCatId="accent1" phldr="1"/>
+      <dgm:spPr/>
+      <dgm:t>
+        <a:bodyPr/>
+        <a:lstStyle/>
+        <a:p>
+          <a:endParaRPr lang="en-US"/>
+        </a:p>
+      </dgm:t>
+    </dgm:pt>
+    <dgm:pt modelId="{59231F62-5672-434A-8D57-B046F4527902}">
+      <dgm:prSet phldrT="[Text]"/>
+      <dgm:spPr/>
+      <dgm:t>
+        <a:bodyPr/>
+        <a:lstStyle/>
+        <a:p>
+          <a:r>
+            <a:rPr lang="en-US" dirty="0" smtClean="0"/>
+            <a:t>Problem</a:t>
+          </a:r>
+          <a:endParaRPr lang="en-US" dirty="0"/>
+        </a:p>
+      </dgm:t>
+    </dgm:pt>
+    <dgm:pt modelId="{46258991-435A-4E31-BDB8-AA5FF9716F43}" type="parTrans" cxnId="{233ADFC8-4923-40B9-885F-8FFF7E8FC1C1}">
+      <dgm:prSet/>
+      <dgm:spPr/>
+      <dgm:t>
+        <a:bodyPr/>
+        <a:lstStyle/>
+        <a:p>
+          <a:endParaRPr lang="en-US"/>
+        </a:p>
+      </dgm:t>
+    </dgm:pt>
+    <dgm:pt modelId="{E324A333-84EF-4000-A055-66F939DB67F6}" type="sibTrans" cxnId="{233ADFC8-4923-40B9-885F-8FFF7E8FC1C1}">
+      <dgm:prSet/>
+      <dgm:spPr/>
+      <dgm:t>
+        <a:bodyPr/>
+        <a:lstStyle/>
+        <a:p>
+          <a:endParaRPr lang="en-US"/>
+        </a:p>
+      </dgm:t>
+    </dgm:pt>
+    <dgm:pt modelId="{1521D510-0017-4152-9FAE-156B48B28E06}">
+      <dgm:prSet phldrT="[Text]"/>
+      <dgm:spPr/>
+      <dgm:t>
+        <a:bodyPr/>
+        <a:lstStyle/>
+        <a:p>
+          <a:r>
+            <a:rPr lang="en-US" dirty="0" smtClean="0"/>
+            <a:t>Data</a:t>
+          </a:r>
+          <a:endParaRPr lang="en-US" dirty="0"/>
+        </a:p>
+      </dgm:t>
+    </dgm:pt>
+    <dgm:pt modelId="{3D482DA5-6BC5-41B8-8EC0-AD15B3041068}" type="parTrans" cxnId="{122ECB7D-BBFC-4108-8C57-4C9613C784E4}">
+      <dgm:prSet/>
+      <dgm:spPr/>
+      <dgm:t>
+        <a:bodyPr/>
+        <a:lstStyle/>
+        <a:p>
+          <a:endParaRPr lang="en-US"/>
+        </a:p>
+      </dgm:t>
+    </dgm:pt>
+    <dgm:pt modelId="{28145457-206E-4B83-81B8-9A2ED0D8C2E5}" type="sibTrans" cxnId="{122ECB7D-BBFC-4108-8C57-4C9613C784E4}">
+      <dgm:prSet/>
+      <dgm:spPr/>
+      <dgm:t>
+        <a:bodyPr/>
+        <a:lstStyle/>
+        <a:p>
+          <a:endParaRPr lang="en-US"/>
+        </a:p>
+      </dgm:t>
+    </dgm:pt>
+    <dgm:pt modelId="{49520C5B-4BD3-4F09-998A-40A3E8B5117B}">
+      <dgm:prSet phldrT="[Text]"/>
+      <dgm:spPr/>
+      <dgm:t>
+        <a:bodyPr/>
+        <a:lstStyle/>
+        <a:p>
+          <a:r>
+            <a:rPr lang="en-US" dirty="0" smtClean="0"/>
+            <a:t>Feature Engineering</a:t>
+          </a:r>
+          <a:endParaRPr lang="en-US" dirty="0"/>
+        </a:p>
+      </dgm:t>
+    </dgm:pt>
+    <dgm:pt modelId="{6207A34E-CDFA-485D-AF10-340BF8EAE777}" type="parTrans" cxnId="{7D980129-540B-4B99-ABAC-6E923B27F5BD}">
+      <dgm:prSet/>
+      <dgm:spPr/>
+      <dgm:t>
+        <a:bodyPr/>
+        <a:lstStyle/>
+        <a:p>
+          <a:endParaRPr lang="en-US"/>
+        </a:p>
+      </dgm:t>
+    </dgm:pt>
+    <dgm:pt modelId="{43441960-7CD6-42F0-BEF6-7C49AC791C15}" type="sibTrans" cxnId="{7D980129-540B-4B99-ABAC-6E923B27F5BD}">
+      <dgm:prSet/>
+      <dgm:spPr/>
+      <dgm:t>
+        <a:bodyPr/>
+        <a:lstStyle/>
+        <a:p>
+          <a:endParaRPr lang="en-US"/>
+        </a:p>
+      </dgm:t>
+    </dgm:pt>
+    <dgm:pt modelId="{6E3DD59D-C4B4-40BD-AE54-DFB8F5C1F05C}">
+      <dgm:prSet phldrT="[Text]" phldr="1"/>
+      <dgm:spPr/>
+      <dgm:t>
+        <a:bodyPr/>
+        <a:lstStyle/>
+        <a:p>
+          <a:endParaRPr lang="en-US" dirty="0"/>
+        </a:p>
+      </dgm:t>
+    </dgm:pt>
+    <dgm:pt modelId="{8D73A4E5-FAB9-4E9E-A9A4-0A0E802325F5}" type="parTrans" cxnId="{F01DEFD5-3970-40C1-9070-402BFC9F3E46}">
+      <dgm:prSet/>
+      <dgm:spPr/>
+      <dgm:t>
+        <a:bodyPr/>
+        <a:lstStyle/>
+        <a:p>
+          <a:endParaRPr lang="en-US"/>
+        </a:p>
+      </dgm:t>
+    </dgm:pt>
+    <dgm:pt modelId="{B5E509C0-4E19-475A-B88A-17931354BAC9}" type="sibTrans" cxnId="{F01DEFD5-3970-40C1-9070-402BFC9F3E46}">
+      <dgm:prSet/>
+      <dgm:spPr/>
+      <dgm:t>
+        <a:bodyPr/>
+        <a:lstStyle/>
+        <a:p>
+          <a:endParaRPr lang="en-US"/>
+        </a:p>
+      </dgm:t>
+    </dgm:pt>
+    <dgm:pt modelId="{77C91FBC-A286-4D42-979F-9DE12DBE5EAE}">
+      <dgm:prSet phldrT="[Text]" phldr="1"/>
+      <dgm:spPr/>
+      <dgm:t>
+        <a:bodyPr/>
+        <a:lstStyle/>
+        <a:p>
+          <a:endParaRPr lang="en-US"/>
+        </a:p>
+      </dgm:t>
+    </dgm:pt>
+    <dgm:pt modelId="{8F0DBDDD-EB11-4AF3-9B0A-8807B6C49DA1}" type="parTrans" cxnId="{E9FAED40-0455-4F12-9DEE-240D251C62D6}">
+      <dgm:prSet/>
+      <dgm:spPr/>
+      <dgm:t>
+        <a:bodyPr/>
+        <a:lstStyle/>
+        <a:p>
+          <a:endParaRPr lang="en-US"/>
+        </a:p>
+      </dgm:t>
+    </dgm:pt>
+    <dgm:pt modelId="{CE97E99C-7CFA-4C01-87E5-5811593708E6}" type="sibTrans" cxnId="{E9FAED40-0455-4F12-9DEE-240D251C62D6}">
+      <dgm:prSet/>
+      <dgm:spPr/>
+      <dgm:t>
+        <a:bodyPr/>
+        <a:lstStyle/>
+        <a:p>
+          <a:endParaRPr lang="en-US"/>
+        </a:p>
+      </dgm:t>
+    </dgm:pt>
+    <dgm:pt modelId="{8A85F5C2-CE40-47B1-BE17-DF1210DBC940}" type="pres">
+      <dgm:prSet presAssocID="{E2F241E0-E60D-41DE-93B2-E154D00C8870}" presName="cycle" presStyleCnt="0">
+        <dgm:presLayoutVars>
+          <dgm:dir/>
+          <dgm:resizeHandles val="exact"/>
+        </dgm:presLayoutVars>
+      </dgm:prSet>
+      <dgm:spPr/>
+    </dgm:pt>
+    <dgm:pt modelId="{6893F8EA-B6C6-45CB-B3B6-0F0A1024C3C0}" type="pres">
+      <dgm:prSet presAssocID="{59231F62-5672-434A-8D57-B046F4527902}" presName="node" presStyleLbl="node1" presStyleIdx="0" presStyleCnt="5" custScaleX="90122">
+        <dgm:presLayoutVars>
+          <dgm:bulletEnabled val="1"/>
+        </dgm:presLayoutVars>
+      </dgm:prSet>
+      <dgm:spPr/>
+      <dgm:t>
+        <a:bodyPr/>
+        <a:lstStyle/>
+        <a:p>
+          <a:endParaRPr lang="en-US"/>
+        </a:p>
+      </dgm:t>
+    </dgm:pt>
+    <dgm:pt modelId="{AADBA2B1-F807-4EB2-848E-428DA0C1C899}" type="pres">
+      <dgm:prSet presAssocID="{59231F62-5672-434A-8D57-B046F4527902}" presName="spNode" presStyleCnt="0"/>
+      <dgm:spPr/>
+    </dgm:pt>
+    <dgm:pt modelId="{FB3E44D0-ABEA-4893-8088-463D733F8958}" type="pres">
+      <dgm:prSet presAssocID="{E324A333-84EF-4000-A055-66F939DB67F6}" presName="sibTrans" presStyleLbl="sibTrans1D1" presStyleIdx="0" presStyleCnt="5"/>
+      <dgm:spPr/>
+    </dgm:pt>
+    <dgm:pt modelId="{198E7AA8-9859-47D1-B79F-5F405CCA9DB8}" type="pres">
+      <dgm:prSet presAssocID="{1521D510-0017-4152-9FAE-156B48B28E06}" presName="node" presStyleLbl="node1" presStyleIdx="1" presStyleCnt="5">
+        <dgm:presLayoutVars>
+          <dgm:bulletEnabled val="1"/>
+        </dgm:presLayoutVars>
+      </dgm:prSet>
+      <dgm:spPr/>
+    </dgm:pt>
+    <dgm:pt modelId="{B5E3B75D-0314-4503-887A-B41DAEB0C8C4}" type="pres">
+      <dgm:prSet presAssocID="{1521D510-0017-4152-9FAE-156B48B28E06}" presName="spNode" presStyleCnt="0"/>
+      <dgm:spPr/>
+    </dgm:pt>
+    <dgm:pt modelId="{7ECA9EDD-9566-42FA-9C84-F017FDC68A7D}" type="pres">
+      <dgm:prSet presAssocID="{28145457-206E-4B83-81B8-9A2ED0D8C2E5}" presName="sibTrans" presStyleLbl="sibTrans1D1" presStyleIdx="1" presStyleCnt="5"/>
+      <dgm:spPr/>
+    </dgm:pt>
+    <dgm:pt modelId="{CB77B1C3-AA8E-4978-955C-67D79B5B1189}" type="pres">
+      <dgm:prSet presAssocID="{49520C5B-4BD3-4F09-998A-40A3E8B5117B}" presName="node" presStyleLbl="node1" presStyleIdx="2" presStyleCnt="5">
+        <dgm:presLayoutVars>
+          <dgm:bulletEnabled val="1"/>
+        </dgm:presLayoutVars>
+      </dgm:prSet>
+      <dgm:spPr/>
+    </dgm:pt>
+    <dgm:pt modelId="{1EDAF4AF-4301-4EFF-98A6-400F0D1516CB}" type="pres">
+      <dgm:prSet presAssocID="{49520C5B-4BD3-4F09-998A-40A3E8B5117B}" presName="spNode" presStyleCnt="0"/>
+      <dgm:spPr/>
+    </dgm:pt>
+    <dgm:pt modelId="{2ED8C8F3-D411-4F8E-B296-871AE2536FFA}" type="pres">
+      <dgm:prSet presAssocID="{43441960-7CD6-42F0-BEF6-7C49AC791C15}" presName="sibTrans" presStyleLbl="sibTrans1D1" presStyleIdx="2" presStyleCnt="5"/>
+      <dgm:spPr/>
+    </dgm:pt>
+    <dgm:pt modelId="{B93CCB1A-E02D-4C7E-8E14-CA726225F051}" type="pres">
+      <dgm:prSet presAssocID="{6E3DD59D-C4B4-40BD-AE54-DFB8F5C1F05C}" presName="node" presStyleLbl="node1" presStyleIdx="3" presStyleCnt="5">
+        <dgm:presLayoutVars>
+          <dgm:bulletEnabled val="1"/>
+        </dgm:presLayoutVars>
+      </dgm:prSet>
+      <dgm:spPr/>
+    </dgm:pt>
+    <dgm:pt modelId="{56B38462-C0F5-474C-B25D-A271BAA7CF39}" type="pres">
+      <dgm:prSet presAssocID="{6E3DD59D-C4B4-40BD-AE54-DFB8F5C1F05C}" presName="spNode" presStyleCnt="0"/>
+      <dgm:spPr/>
+    </dgm:pt>
+    <dgm:pt modelId="{1C496C4F-8513-4AF8-B20D-E9ACEB7B63D4}" type="pres">
+      <dgm:prSet presAssocID="{B5E509C0-4E19-475A-B88A-17931354BAC9}" presName="sibTrans" presStyleLbl="sibTrans1D1" presStyleIdx="3" presStyleCnt="5"/>
+      <dgm:spPr/>
+    </dgm:pt>
+    <dgm:pt modelId="{95385A79-D844-4910-BB0B-FE9D50D3CDF7}" type="pres">
+      <dgm:prSet presAssocID="{77C91FBC-A286-4D42-979F-9DE12DBE5EAE}" presName="node" presStyleLbl="node1" presStyleIdx="4" presStyleCnt="5">
+        <dgm:presLayoutVars>
+          <dgm:bulletEnabled val="1"/>
+        </dgm:presLayoutVars>
+      </dgm:prSet>
+      <dgm:spPr/>
+    </dgm:pt>
+    <dgm:pt modelId="{2972701D-5300-40B5-A75D-ABCE0AE5B8BF}" type="pres">
+      <dgm:prSet presAssocID="{77C91FBC-A286-4D42-979F-9DE12DBE5EAE}" presName="spNode" presStyleCnt="0"/>
+      <dgm:spPr/>
+    </dgm:pt>
+    <dgm:pt modelId="{1C89055F-4211-45F9-9998-F5B0A444A035}" type="pres">
+      <dgm:prSet presAssocID="{CE97E99C-7CFA-4C01-87E5-5811593708E6}" presName="sibTrans" presStyleLbl="sibTrans1D1" presStyleIdx="4" presStyleCnt="5"/>
+      <dgm:spPr/>
+    </dgm:pt>
+  </dgm:ptLst>
+  <dgm:cxnLst>
+    <dgm:cxn modelId="{45BAFF42-2AEF-42FA-9499-FB5ACBA14F65}" type="presOf" srcId="{28145457-206E-4B83-81B8-9A2ED0D8C2E5}" destId="{7ECA9EDD-9566-42FA-9C84-F017FDC68A7D}" srcOrd="0" destOrd="0" presId="urn:microsoft.com/office/officeart/2005/8/layout/cycle6"/>
+    <dgm:cxn modelId="{233ADFC8-4923-40B9-885F-8FFF7E8FC1C1}" srcId="{E2F241E0-E60D-41DE-93B2-E154D00C8870}" destId="{59231F62-5672-434A-8D57-B046F4527902}" srcOrd="0" destOrd="0" parTransId="{46258991-435A-4E31-BDB8-AA5FF9716F43}" sibTransId="{E324A333-84EF-4000-A055-66F939DB67F6}"/>
+    <dgm:cxn modelId="{4C5B182A-D3FD-41A2-A88E-F1D4E4643B06}" type="presOf" srcId="{E324A333-84EF-4000-A055-66F939DB67F6}" destId="{FB3E44D0-ABEA-4893-8088-463D733F8958}" srcOrd="0" destOrd="0" presId="urn:microsoft.com/office/officeart/2005/8/layout/cycle6"/>
+    <dgm:cxn modelId="{E5EDCE3F-0B9E-4A37-B87E-A2F8E821FBE4}" type="presOf" srcId="{6E3DD59D-C4B4-40BD-AE54-DFB8F5C1F05C}" destId="{B93CCB1A-E02D-4C7E-8E14-CA726225F051}" srcOrd="0" destOrd="0" presId="urn:microsoft.com/office/officeart/2005/8/layout/cycle6"/>
+    <dgm:cxn modelId="{B7DF1193-80BF-46F2-A4D8-08661ED4D48D}" type="presOf" srcId="{B5E509C0-4E19-475A-B88A-17931354BAC9}" destId="{1C496C4F-8513-4AF8-B20D-E9ACEB7B63D4}" srcOrd="0" destOrd="0" presId="urn:microsoft.com/office/officeart/2005/8/layout/cycle6"/>
+    <dgm:cxn modelId="{E9FAED40-0455-4F12-9DEE-240D251C62D6}" srcId="{E2F241E0-E60D-41DE-93B2-E154D00C8870}" destId="{77C91FBC-A286-4D42-979F-9DE12DBE5EAE}" srcOrd="4" destOrd="0" parTransId="{8F0DBDDD-EB11-4AF3-9B0A-8807B6C49DA1}" sibTransId="{CE97E99C-7CFA-4C01-87E5-5811593708E6}"/>
+    <dgm:cxn modelId="{122ECB7D-BBFC-4108-8C57-4C9613C784E4}" srcId="{E2F241E0-E60D-41DE-93B2-E154D00C8870}" destId="{1521D510-0017-4152-9FAE-156B48B28E06}" srcOrd="1" destOrd="0" parTransId="{3D482DA5-6BC5-41B8-8EC0-AD15B3041068}" sibTransId="{28145457-206E-4B83-81B8-9A2ED0D8C2E5}"/>
+    <dgm:cxn modelId="{3AF50318-4A17-48AD-86B5-21434BF02086}" type="presOf" srcId="{43441960-7CD6-42F0-BEF6-7C49AC791C15}" destId="{2ED8C8F3-D411-4F8E-B296-871AE2536FFA}" srcOrd="0" destOrd="0" presId="urn:microsoft.com/office/officeart/2005/8/layout/cycle6"/>
+    <dgm:cxn modelId="{A65A391D-72A4-4444-9BE6-C95C0DF26A51}" type="presOf" srcId="{CE97E99C-7CFA-4C01-87E5-5811593708E6}" destId="{1C89055F-4211-45F9-9998-F5B0A444A035}" srcOrd="0" destOrd="0" presId="urn:microsoft.com/office/officeart/2005/8/layout/cycle6"/>
+    <dgm:cxn modelId="{9A31618F-9737-4894-92C4-9D7309730AAA}" type="presOf" srcId="{1521D510-0017-4152-9FAE-156B48B28E06}" destId="{198E7AA8-9859-47D1-B79F-5F405CCA9DB8}" srcOrd="0" destOrd="0" presId="urn:microsoft.com/office/officeart/2005/8/layout/cycle6"/>
+    <dgm:cxn modelId="{82F93103-DBEB-4752-A36A-F62113754D85}" type="presOf" srcId="{49520C5B-4BD3-4F09-998A-40A3E8B5117B}" destId="{CB77B1C3-AA8E-4978-955C-67D79B5B1189}" srcOrd="0" destOrd="0" presId="urn:microsoft.com/office/officeart/2005/8/layout/cycle6"/>
+    <dgm:cxn modelId="{7D980129-540B-4B99-ABAC-6E923B27F5BD}" srcId="{E2F241E0-E60D-41DE-93B2-E154D00C8870}" destId="{49520C5B-4BD3-4F09-998A-40A3E8B5117B}" srcOrd="2" destOrd="0" parTransId="{6207A34E-CDFA-485D-AF10-340BF8EAE777}" sibTransId="{43441960-7CD6-42F0-BEF6-7C49AC791C15}"/>
+    <dgm:cxn modelId="{60CE2081-7918-413C-B348-19B8CC6AE532}" type="presOf" srcId="{77C91FBC-A286-4D42-979F-9DE12DBE5EAE}" destId="{95385A79-D844-4910-BB0B-FE9D50D3CDF7}" srcOrd="0" destOrd="0" presId="urn:microsoft.com/office/officeart/2005/8/layout/cycle6"/>
+    <dgm:cxn modelId="{F01DEFD5-3970-40C1-9070-402BFC9F3E46}" srcId="{E2F241E0-E60D-41DE-93B2-E154D00C8870}" destId="{6E3DD59D-C4B4-40BD-AE54-DFB8F5C1F05C}" srcOrd="3" destOrd="0" parTransId="{8D73A4E5-FAB9-4E9E-A9A4-0A0E802325F5}" sibTransId="{B5E509C0-4E19-475A-B88A-17931354BAC9}"/>
+    <dgm:cxn modelId="{05BC98E9-8790-4D98-9112-93A20DC0DD98}" type="presOf" srcId="{59231F62-5672-434A-8D57-B046F4527902}" destId="{6893F8EA-B6C6-45CB-B3B6-0F0A1024C3C0}" srcOrd="0" destOrd="0" presId="urn:microsoft.com/office/officeart/2005/8/layout/cycle6"/>
+    <dgm:cxn modelId="{757C9F9A-C5F4-4A3B-BA54-5E47309AC606}" type="presOf" srcId="{E2F241E0-E60D-41DE-93B2-E154D00C8870}" destId="{8A85F5C2-CE40-47B1-BE17-DF1210DBC940}" srcOrd="0" destOrd="0" presId="urn:microsoft.com/office/officeart/2005/8/layout/cycle6"/>
+    <dgm:cxn modelId="{09B3AB56-F60D-47A7-8CBF-15E7406A5D6D}" type="presParOf" srcId="{8A85F5C2-CE40-47B1-BE17-DF1210DBC940}" destId="{6893F8EA-B6C6-45CB-B3B6-0F0A1024C3C0}" srcOrd="0" destOrd="0" presId="urn:microsoft.com/office/officeart/2005/8/layout/cycle6"/>
+    <dgm:cxn modelId="{CD66A0E4-D6EF-4151-B4D2-1F0A3B24A78B}" type="presParOf" srcId="{8A85F5C2-CE40-47B1-BE17-DF1210DBC940}" destId="{AADBA2B1-F807-4EB2-848E-428DA0C1C899}" srcOrd="1" destOrd="0" presId="urn:microsoft.com/office/officeart/2005/8/layout/cycle6"/>
+    <dgm:cxn modelId="{3BB560EF-7C14-43F9-8CC5-67092FC846A0}" type="presParOf" srcId="{8A85F5C2-CE40-47B1-BE17-DF1210DBC940}" destId="{FB3E44D0-ABEA-4893-8088-463D733F8958}" srcOrd="2" destOrd="0" presId="urn:microsoft.com/office/officeart/2005/8/layout/cycle6"/>
+    <dgm:cxn modelId="{4C2DF0C9-90EF-446B-9838-F4B78C509425}" type="presParOf" srcId="{8A85F5C2-CE40-47B1-BE17-DF1210DBC940}" destId="{198E7AA8-9859-47D1-B79F-5F405CCA9DB8}" srcOrd="3" destOrd="0" presId="urn:microsoft.com/office/officeart/2005/8/layout/cycle6"/>
+    <dgm:cxn modelId="{0FE6BBF4-B623-4E94-8846-CAB2E94DFCF6}" type="presParOf" srcId="{8A85F5C2-CE40-47B1-BE17-DF1210DBC940}" destId="{B5E3B75D-0314-4503-887A-B41DAEB0C8C4}" srcOrd="4" destOrd="0" presId="urn:microsoft.com/office/officeart/2005/8/layout/cycle6"/>
+    <dgm:cxn modelId="{0A3F9B58-6BCE-460B-A4CC-7E4990084B24}" type="presParOf" srcId="{8A85F5C2-CE40-47B1-BE17-DF1210DBC940}" destId="{7ECA9EDD-9566-42FA-9C84-F017FDC68A7D}" srcOrd="5" destOrd="0" presId="urn:microsoft.com/office/officeart/2005/8/layout/cycle6"/>
+    <dgm:cxn modelId="{3A181C64-F669-4F29-9000-864AC636E771}" type="presParOf" srcId="{8A85F5C2-CE40-47B1-BE17-DF1210DBC940}" destId="{CB77B1C3-AA8E-4978-955C-67D79B5B1189}" srcOrd="6" destOrd="0" presId="urn:microsoft.com/office/officeart/2005/8/layout/cycle6"/>
+    <dgm:cxn modelId="{B43228CB-1085-40FC-BB24-234287D3D8D7}" type="presParOf" srcId="{8A85F5C2-CE40-47B1-BE17-DF1210DBC940}" destId="{1EDAF4AF-4301-4EFF-98A6-400F0D1516CB}" srcOrd="7" destOrd="0" presId="urn:microsoft.com/office/officeart/2005/8/layout/cycle6"/>
+    <dgm:cxn modelId="{0FDDF240-704C-493D-9070-DC306E76370E}" type="presParOf" srcId="{8A85F5C2-CE40-47B1-BE17-DF1210DBC940}" destId="{2ED8C8F3-D411-4F8E-B296-871AE2536FFA}" srcOrd="8" destOrd="0" presId="urn:microsoft.com/office/officeart/2005/8/layout/cycle6"/>
+    <dgm:cxn modelId="{983F03C7-BD0B-4366-A40D-17579F4E7854}" type="presParOf" srcId="{8A85F5C2-CE40-47B1-BE17-DF1210DBC940}" destId="{B93CCB1A-E02D-4C7E-8E14-CA726225F051}" srcOrd="9" destOrd="0" presId="urn:microsoft.com/office/officeart/2005/8/layout/cycle6"/>
+    <dgm:cxn modelId="{75E538A5-9484-4698-B337-102ABA3F6512}" type="presParOf" srcId="{8A85F5C2-CE40-47B1-BE17-DF1210DBC940}" destId="{56B38462-C0F5-474C-B25D-A271BAA7CF39}" srcOrd="10" destOrd="0" presId="urn:microsoft.com/office/officeart/2005/8/layout/cycle6"/>
+    <dgm:cxn modelId="{E326BE1E-4D11-4044-B9F3-9BD01D7C6D1C}" type="presParOf" srcId="{8A85F5C2-CE40-47B1-BE17-DF1210DBC940}" destId="{1C496C4F-8513-4AF8-B20D-E9ACEB7B63D4}" srcOrd="11" destOrd="0" presId="urn:microsoft.com/office/officeart/2005/8/layout/cycle6"/>
+    <dgm:cxn modelId="{9AABCA2A-33F0-4583-A09B-F8757A36EAF5}" type="presParOf" srcId="{8A85F5C2-CE40-47B1-BE17-DF1210DBC940}" destId="{95385A79-D844-4910-BB0B-FE9D50D3CDF7}" srcOrd="12" destOrd="0" presId="urn:microsoft.com/office/officeart/2005/8/layout/cycle6"/>
+    <dgm:cxn modelId="{59C62EB0-39E7-417C-B0C1-715F73FAC523}" type="presParOf" srcId="{8A85F5C2-CE40-47B1-BE17-DF1210DBC940}" destId="{2972701D-5300-40B5-A75D-ABCE0AE5B8BF}" srcOrd="13" destOrd="0" presId="urn:microsoft.com/office/officeart/2005/8/layout/cycle6"/>
+    <dgm:cxn modelId="{B1AD1BEB-A0B2-4CEA-BAFD-14FAFE49174B}" type="presParOf" srcId="{8A85F5C2-CE40-47B1-BE17-DF1210DBC940}" destId="{1C89055F-4211-45F9-9998-F5B0A444A035}" srcOrd="14" destOrd="0" presId="urn:microsoft.com/office/officeart/2005/8/layout/cycle6"/>
+  </dgm:cxnLst>
+  <dgm:bg/>
+  <dgm:whole/>
+  <dgm:extLst>
+    <a:ext uri="http://schemas.microsoft.com/office/drawing/2008/diagram">
+      <dsp:dataModelExt xmlns:dsp="http://schemas.microsoft.com/office/drawing/2008/diagram" relId="rId6" minVer="http://schemas.openxmlformats.org/drawingml/2006/diagram"/>
+    </a:ext>
+  </dgm:extLst>
+</dgm:dataModel>
+</file>
+
+<file path=ppt/diagrams/drawing1.xml><?xml version="1.0" encoding="utf-8"?>
+<dsp:drawing xmlns:dgm="http://schemas.openxmlformats.org/drawingml/2006/diagram" xmlns:dsp="http://schemas.microsoft.com/office/drawing/2008/diagram" xmlns:a="http://schemas.openxmlformats.org/drawingml/2006/main">
+  <dsp:spTree>
+    <dsp:nvGrpSpPr>
+      <dsp:cNvPr id="0" name=""/>
+      <dsp:cNvGrpSpPr/>
+    </dsp:nvGrpSpPr>
+    <dsp:grpSpPr/>
+    <dsp:sp modelId="{6893F8EA-B6C6-45CB-B3B6-0F0A1024C3C0}">
+      <dsp:nvSpPr>
+        <dsp:cNvPr id="0" name=""/>
+        <dsp:cNvSpPr/>
+      </dsp:nvSpPr>
+      <dsp:spPr>
+        <a:xfrm>
+          <a:off x="4859236" y="766"/>
+          <a:ext cx="1282902" cy="925286"/>
+        </a:xfrm>
+        <a:prstGeom prst="roundRect">
+          <a:avLst/>
+        </a:prstGeom>
+        <a:solidFill>
+          <a:schemeClr val="accent1">
+            <a:hueOff val="0"/>
+            <a:satOff val="0"/>
+            <a:lumOff val="0"/>
+            <a:alphaOff val="0"/>
+          </a:schemeClr>
+        </a:solidFill>
+        <a:ln w="12700" cap="flat" cmpd="sng" algn="ctr">
+          <a:solidFill>
+            <a:schemeClr val="lt1">
+              <a:hueOff val="0"/>
+              <a:satOff val="0"/>
+              <a:lumOff val="0"/>
+              <a:alphaOff val="0"/>
+            </a:schemeClr>
+          </a:solidFill>
+          <a:prstDash val="solid"/>
+        </a:ln>
+        <a:effectLst/>
+      </dsp:spPr>
+      <dsp:style>
+        <a:lnRef idx="2">
+          <a:scrgbClr r="0" g="0" b="0"/>
+        </a:lnRef>
+        <a:fillRef idx="1">
+          <a:scrgbClr r="0" g="0" b="0"/>
+        </a:fillRef>
+        <a:effectRef idx="0">
+          <a:scrgbClr r="0" g="0" b="0"/>
+        </a:effectRef>
+        <a:fontRef idx="minor">
+          <a:schemeClr val="lt1"/>
+        </a:fontRef>
+      </dsp:style>
+      <dsp:txBody>
+        <a:bodyPr spcFirstLastPara="0" vert="horz" wrap="square" lIns="72390" tIns="72390" rIns="72390" bIns="72390" numCol="1" spcCol="1270" anchor="ctr" anchorCtr="0">
+          <a:noAutofit/>
+        </a:bodyPr>
+        <a:lstStyle/>
+        <a:p>
+          <a:pPr lvl="0" algn="ctr" defTabSz="844550">
+            <a:lnSpc>
+              <a:spcPct val="90000"/>
+            </a:lnSpc>
+            <a:spcBef>
+              <a:spcPct val="0"/>
+            </a:spcBef>
+            <a:spcAft>
+              <a:spcPct val="35000"/>
+            </a:spcAft>
+          </a:pPr>
+          <a:r>
+            <a:rPr lang="en-US" sz="1900" kern="1200" dirty="0" smtClean="0"/>
+            <a:t>Problem</a:t>
+          </a:r>
+          <a:endParaRPr lang="en-US" sz="1900" kern="1200" dirty="0"/>
+        </a:p>
+      </dsp:txBody>
+      <dsp:txXfrm>
+        <a:off x="4904405" y="45935"/>
+        <a:ext cx="1192564" cy="834948"/>
+      </dsp:txXfrm>
+    </dsp:sp>
+    <dsp:sp modelId="{FB3E44D0-ABEA-4893-8088-463D733F8958}">
+      <dsp:nvSpPr>
+        <dsp:cNvPr id="0" name=""/>
+        <dsp:cNvSpPr/>
+      </dsp:nvSpPr>
+      <dsp:spPr>
+        <a:xfrm>
+          <a:off x="3652836" y="463409"/>
+          <a:ext cx="3695701" cy="3695701"/>
+        </a:xfrm>
+        <a:custGeom>
+          <a:avLst/>
+          <a:gdLst/>
+          <a:ahLst/>
+          <a:cxnLst/>
+          <a:rect l="0" t="0" r="0" b="0"/>
+          <a:pathLst>
+            <a:path>
+              <a:moveTo>
+                <a:pt x="2499906" y="118869"/>
+              </a:moveTo>
+              <a:arcTo wR="1847850" hR="1847850" stAng="17439787" swAng="2098355"/>
+            </a:path>
+          </a:pathLst>
+        </a:custGeom>
+        <a:noFill/>
+        <a:ln w="9525" cap="flat" cmpd="sng" algn="ctr">
+          <a:solidFill>
+            <a:schemeClr val="accent1">
+              <a:hueOff val="0"/>
+              <a:satOff val="0"/>
+              <a:lumOff val="0"/>
+              <a:alphaOff val="0"/>
+            </a:schemeClr>
+          </a:solidFill>
+          <a:prstDash val="solid"/>
+        </a:ln>
+        <a:effectLst/>
+      </dsp:spPr>
+      <dsp:style>
+        <a:lnRef idx="1">
+          <a:scrgbClr r="0" g="0" b="0"/>
+        </a:lnRef>
+        <a:fillRef idx="0">
+          <a:scrgbClr r="0" g="0" b="0"/>
+        </a:fillRef>
+        <a:effectRef idx="0">
+          <a:scrgbClr r="0" g="0" b="0"/>
+        </a:effectRef>
+        <a:fontRef idx="minor"/>
+      </dsp:style>
+    </dsp:sp>
+    <dsp:sp modelId="{198E7AA8-9859-47D1-B79F-5F405CCA9DB8}">
+      <dsp:nvSpPr>
+        <dsp:cNvPr id="0" name=""/>
+        <dsp:cNvSpPr/>
+      </dsp:nvSpPr>
+      <dsp:spPr>
+        <a:xfrm>
+          <a:off x="6546339" y="1277599"/>
+          <a:ext cx="1423517" cy="925286"/>
+        </a:xfrm>
+        <a:prstGeom prst="roundRect">
+          <a:avLst/>
+        </a:prstGeom>
+        <a:solidFill>
+          <a:schemeClr val="accent1">
+            <a:hueOff val="0"/>
+            <a:satOff val="0"/>
+            <a:lumOff val="0"/>
+            <a:alphaOff val="0"/>
+          </a:schemeClr>
+        </a:solidFill>
+        <a:ln w="12700" cap="flat" cmpd="sng" algn="ctr">
+          <a:solidFill>
+            <a:schemeClr val="lt1">
+              <a:hueOff val="0"/>
+              <a:satOff val="0"/>
+              <a:lumOff val="0"/>
+              <a:alphaOff val="0"/>
+            </a:schemeClr>
+          </a:solidFill>
+          <a:prstDash val="solid"/>
+        </a:ln>
+        <a:effectLst/>
+      </dsp:spPr>
+      <dsp:style>
+        <a:lnRef idx="2">
+          <a:scrgbClr r="0" g="0" b="0"/>
+        </a:lnRef>
+        <a:fillRef idx="1">
+          <a:scrgbClr r="0" g="0" b="0"/>
+        </a:fillRef>
+        <a:effectRef idx="0">
+          <a:scrgbClr r="0" g="0" b="0"/>
+        </a:effectRef>
+        <a:fontRef idx="minor">
+          <a:schemeClr val="lt1"/>
+        </a:fontRef>
+      </dsp:style>
+      <dsp:txBody>
+        <a:bodyPr spcFirstLastPara="0" vert="horz" wrap="square" lIns="72390" tIns="72390" rIns="72390" bIns="72390" numCol="1" spcCol="1270" anchor="ctr" anchorCtr="0">
+          <a:noAutofit/>
+        </a:bodyPr>
+        <a:lstStyle/>
+        <a:p>
+          <a:pPr lvl="0" algn="ctr" defTabSz="844550">
+            <a:lnSpc>
+              <a:spcPct val="90000"/>
+            </a:lnSpc>
+            <a:spcBef>
+              <a:spcPct val="0"/>
+            </a:spcBef>
+            <a:spcAft>
+              <a:spcPct val="35000"/>
+            </a:spcAft>
+          </a:pPr>
+          <a:r>
+            <a:rPr lang="en-US" sz="1900" kern="1200" dirty="0" smtClean="0"/>
+            <a:t>Data</a:t>
+          </a:r>
+          <a:endParaRPr lang="en-US" sz="1900" kern="1200" dirty="0"/>
+        </a:p>
+      </dsp:txBody>
+      <dsp:txXfrm>
+        <a:off x="6591508" y="1322768"/>
+        <a:ext cx="1333179" cy="834948"/>
+      </dsp:txXfrm>
+    </dsp:sp>
+    <dsp:sp modelId="{7ECA9EDD-9566-42FA-9C84-F017FDC68A7D}">
+      <dsp:nvSpPr>
+        <dsp:cNvPr id="0" name=""/>
+        <dsp:cNvSpPr/>
+      </dsp:nvSpPr>
+      <dsp:spPr>
+        <a:xfrm>
+          <a:off x="3652836" y="463409"/>
+          <a:ext cx="3695701" cy="3695701"/>
+        </a:xfrm>
+        <a:custGeom>
+          <a:avLst/>
+          <a:gdLst/>
+          <a:ahLst/>
+          <a:cxnLst/>
+          <a:rect l="0" t="0" r="0" b="0"/>
+          <a:pathLst>
+            <a:path>
+              <a:moveTo>
+                <a:pt x="3693176" y="1751284"/>
+              </a:moveTo>
+              <a:arcTo wR="1847850" hR="1847850" stAng="21420266" swAng="2195477"/>
+            </a:path>
+          </a:pathLst>
+        </a:custGeom>
+        <a:noFill/>
+        <a:ln w="9525" cap="flat" cmpd="sng" algn="ctr">
+          <a:solidFill>
+            <a:schemeClr val="accent1">
+              <a:hueOff val="0"/>
+              <a:satOff val="0"/>
+              <a:lumOff val="0"/>
+              <a:alphaOff val="0"/>
+            </a:schemeClr>
+          </a:solidFill>
+          <a:prstDash val="solid"/>
+        </a:ln>
+        <a:effectLst/>
+      </dsp:spPr>
+      <dsp:style>
+        <a:lnRef idx="1">
+          <a:scrgbClr r="0" g="0" b="0"/>
+        </a:lnRef>
+        <a:fillRef idx="0">
+          <a:scrgbClr r="0" g="0" b="0"/>
+        </a:fillRef>
+        <a:effectRef idx="0">
+          <a:scrgbClr r="0" g="0" b="0"/>
+        </a:effectRef>
+        <a:fontRef idx="minor"/>
+      </dsp:style>
+    </dsp:sp>
+    <dsp:sp modelId="{CB77B1C3-AA8E-4978-955C-67D79B5B1189}">
+      <dsp:nvSpPr>
+        <dsp:cNvPr id="0" name=""/>
+        <dsp:cNvSpPr/>
+      </dsp:nvSpPr>
+      <dsp:spPr>
+        <a:xfrm>
+          <a:off x="5875068" y="3343560"/>
+          <a:ext cx="1423517" cy="925286"/>
+        </a:xfrm>
+        <a:prstGeom prst="roundRect">
+          <a:avLst/>
+        </a:prstGeom>
+        <a:solidFill>
+          <a:schemeClr val="accent1">
+            <a:hueOff val="0"/>
+            <a:satOff val="0"/>
+            <a:lumOff val="0"/>
+            <a:alphaOff val="0"/>
+          </a:schemeClr>
+        </a:solidFill>
+        <a:ln w="12700" cap="flat" cmpd="sng" algn="ctr">
+          <a:solidFill>
+            <a:schemeClr val="lt1">
+              <a:hueOff val="0"/>
+              <a:satOff val="0"/>
+              <a:lumOff val="0"/>
+              <a:alphaOff val="0"/>
+            </a:schemeClr>
+          </a:solidFill>
+          <a:prstDash val="solid"/>
+        </a:ln>
+        <a:effectLst/>
+      </dsp:spPr>
+      <dsp:style>
+        <a:lnRef idx="2">
+          <a:scrgbClr r="0" g="0" b="0"/>
+        </a:lnRef>
+        <a:fillRef idx="1">
+          <a:scrgbClr r="0" g="0" b="0"/>
+        </a:fillRef>
+        <a:effectRef idx="0">
+          <a:scrgbClr r="0" g="0" b="0"/>
+        </a:effectRef>
+        <a:fontRef idx="minor">
+          <a:schemeClr val="lt1"/>
+        </a:fontRef>
+      </dsp:style>
+      <dsp:txBody>
+        <a:bodyPr spcFirstLastPara="0" vert="horz" wrap="square" lIns="72390" tIns="72390" rIns="72390" bIns="72390" numCol="1" spcCol="1270" anchor="ctr" anchorCtr="0">
+          <a:noAutofit/>
+        </a:bodyPr>
+        <a:lstStyle/>
+        <a:p>
+          <a:pPr lvl="0" algn="ctr" defTabSz="844550">
+            <a:lnSpc>
+              <a:spcPct val="90000"/>
+            </a:lnSpc>
+            <a:spcBef>
+              <a:spcPct val="0"/>
+            </a:spcBef>
+            <a:spcAft>
+              <a:spcPct val="35000"/>
+            </a:spcAft>
+          </a:pPr>
+          <a:r>
+            <a:rPr lang="en-US" sz="1900" kern="1200" dirty="0" smtClean="0"/>
+            <a:t>Feature Engineering</a:t>
+          </a:r>
+          <a:endParaRPr lang="en-US" sz="1900" kern="1200" dirty="0"/>
+        </a:p>
+      </dsp:txBody>
+      <dsp:txXfrm>
+        <a:off x="5920237" y="3388729"/>
+        <a:ext cx="1333179" cy="834948"/>
+      </dsp:txXfrm>
+    </dsp:sp>
+    <dsp:sp modelId="{2ED8C8F3-D411-4F8E-B296-871AE2536FFA}">
+      <dsp:nvSpPr>
+        <dsp:cNvPr id="0" name=""/>
+        <dsp:cNvSpPr/>
+      </dsp:nvSpPr>
+      <dsp:spPr>
+        <a:xfrm>
+          <a:off x="3652836" y="463409"/>
+          <a:ext cx="3695701" cy="3695701"/>
+        </a:xfrm>
+        <a:custGeom>
+          <a:avLst/>
+          <a:gdLst/>
+          <a:ahLst/>
+          <a:cxnLst/>
+          <a:rect l="0" t="0" r="0" b="0"/>
+          <a:pathLst>
+            <a:path>
+              <a:moveTo>
+                <a:pt x="2214896" y="3658881"/>
+              </a:moveTo>
+              <a:arcTo wR="1847850" hR="1847850" stAng="4712576" swAng="1374848"/>
+            </a:path>
+          </a:pathLst>
+        </a:custGeom>
+        <a:noFill/>
+        <a:ln w="9525" cap="flat" cmpd="sng" algn="ctr">
+          <a:solidFill>
+            <a:schemeClr val="accent1">
+              <a:hueOff val="0"/>
+              <a:satOff val="0"/>
+              <a:lumOff val="0"/>
+              <a:alphaOff val="0"/>
+            </a:schemeClr>
+          </a:solidFill>
+          <a:prstDash val="solid"/>
+        </a:ln>
+        <a:effectLst/>
+      </dsp:spPr>
+      <dsp:style>
+        <a:lnRef idx="1">
+          <a:scrgbClr r="0" g="0" b="0"/>
+        </a:lnRef>
+        <a:fillRef idx="0">
+          <a:scrgbClr r="0" g="0" b="0"/>
+        </a:fillRef>
+        <a:effectRef idx="0">
+          <a:scrgbClr r="0" g="0" b="0"/>
+        </a:effectRef>
+        <a:fontRef idx="minor"/>
+      </dsp:style>
+    </dsp:sp>
+    <dsp:sp modelId="{B93CCB1A-E02D-4C7E-8E14-CA726225F051}">
+      <dsp:nvSpPr>
+        <dsp:cNvPr id="0" name=""/>
+        <dsp:cNvSpPr/>
+      </dsp:nvSpPr>
+      <dsp:spPr>
+        <a:xfrm>
+          <a:off x="3702789" y="3343560"/>
+          <a:ext cx="1423517" cy="925286"/>
+        </a:xfrm>
+        <a:prstGeom prst="roundRect">
+          <a:avLst/>
+        </a:prstGeom>
+        <a:solidFill>
+          <a:schemeClr val="accent1">
+            <a:hueOff val="0"/>
+            <a:satOff val="0"/>
+            <a:lumOff val="0"/>
+            <a:alphaOff val="0"/>
+          </a:schemeClr>
+        </a:solidFill>
+        <a:ln w="12700" cap="flat" cmpd="sng" algn="ctr">
+          <a:solidFill>
+            <a:schemeClr val="lt1">
+              <a:hueOff val="0"/>
+              <a:satOff val="0"/>
+              <a:lumOff val="0"/>
+              <a:alphaOff val="0"/>
+            </a:schemeClr>
+          </a:solidFill>
+          <a:prstDash val="solid"/>
+        </a:ln>
+        <a:effectLst/>
+      </dsp:spPr>
+      <dsp:style>
+        <a:lnRef idx="2">
+          <a:scrgbClr r="0" g="0" b="0"/>
+        </a:lnRef>
+        <a:fillRef idx="1">
+          <a:scrgbClr r="0" g="0" b="0"/>
+        </a:fillRef>
+        <a:effectRef idx="0">
+          <a:scrgbClr r="0" g="0" b="0"/>
+        </a:effectRef>
+        <a:fontRef idx="minor">
+          <a:schemeClr val="lt1"/>
+        </a:fontRef>
+      </dsp:style>
+      <dsp:txBody>
+        <a:bodyPr spcFirstLastPara="0" vert="horz" wrap="square" lIns="72390" tIns="72390" rIns="72390" bIns="72390" numCol="1" spcCol="1270" anchor="ctr" anchorCtr="0">
+          <a:noAutofit/>
+        </a:bodyPr>
+        <a:lstStyle/>
+        <a:p>
+          <a:pPr lvl="0" algn="ctr" defTabSz="844550">
+            <a:lnSpc>
+              <a:spcPct val="90000"/>
+            </a:lnSpc>
+            <a:spcBef>
+              <a:spcPct val="0"/>
+            </a:spcBef>
+            <a:spcAft>
+              <a:spcPct val="35000"/>
+            </a:spcAft>
+          </a:pPr>
+          <a:endParaRPr lang="en-US" sz="1900" kern="1200" dirty="0"/>
+        </a:p>
+      </dsp:txBody>
+      <dsp:txXfrm>
+        <a:off x="3747958" y="3388729"/>
+        <a:ext cx="1333179" cy="834948"/>
+      </dsp:txXfrm>
+    </dsp:sp>
+    <dsp:sp modelId="{1C496C4F-8513-4AF8-B20D-E9ACEB7B63D4}">
+      <dsp:nvSpPr>
+        <dsp:cNvPr id="0" name=""/>
+        <dsp:cNvSpPr/>
+      </dsp:nvSpPr>
+      <dsp:spPr>
+        <a:xfrm>
+          <a:off x="3652836" y="463409"/>
+          <a:ext cx="3695701" cy="3695701"/>
+        </a:xfrm>
+        <a:custGeom>
+          <a:avLst/>
+          <a:gdLst/>
+          <a:ahLst/>
+          <a:cxnLst/>
+          <a:rect l="0" t="0" r="0" b="0"/>
+          <a:pathLst>
+            <a:path>
+              <a:moveTo>
+                <a:pt x="308660" y="2870320"/>
+              </a:moveTo>
+              <a:arcTo wR="1847850" hR="1847850" stAng="8784257" swAng="2195477"/>
+            </a:path>
+          </a:pathLst>
+        </a:custGeom>
+        <a:noFill/>
+        <a:ln w="9525" cap="flat" cmpd="sng" algn="ctr">
+          <a:solidFill>
+            <a:schemeClr val="accent1">
+              <a:hueOff val="0"/>
+              <a:satOff val="0"/>
+              <a:lumOff val="0"/>
+              <a:alphaOff val="0"/>
+            </a:schemeClr>
+          </a:solidFill>
+          <a:prstDash val="solid"/>
+        </a:ln>
+        <a:effectLst/>
+      </dsp:spPr>
+      <dsp:style>
+        <a:lnRef idx="1">
+          <a:scrgbClr r="0" g="0" b="0"/>
+        </a:lnRef>
+        <a:fillRef idx="0">
+          <a:scrgbClr r="0" g="0" b="0"/>
+        </a:fillRef>
+        <a:effectRef idx="0">
+          <a:scrgbClr r="0" g="0" b="0"/>
+        </a:effectRef>
+        <a:fontRef idx="minor"/>
+      </dsp:style>
+    </dsp:sp>
+    <dsp:sp modelId="{95385A79-D844-4910-BB0B-FE9D50D3CDF7}">
+      <dsp:nvSpPr>
+        <dsp:cNvPr id="0" name=""/>
+        <dsp:cNvSpPr/>
+      </dsp:nvSpPr>
+      <dsp:spPr>
+        <a:xfrm>
+          <a:off x="3031517" y="1277599"/>
+          <a:ext cx="1423517" cy="925286"/>
+        </a:xfrm>
+        <a:prstGeom prst="roundRect">
+          <a:avLst/>
+        </a:prstGeom>
+        <a:solidFill>
+          <a:schemeClr val="accent1">
+            <a:hueOff val="0"/>
+            <a:satOff val="0"/>
+            <a:lumOff val="0"/>
+            <a:alphaOff val="0"/>
+          </a:schemeClr>
+        </a:solidFill>
+        <a:ln w="12700" cap="flat" cmpd="sng" algn="ctr">
+          <a:solidFill>
+            <a:schemeClr val="lt1">
+              <a:hueOff val="0"/>
+              <a:satOff val="0"/>
+              <a:lumOff val="0"/>
+              <a:alphaOff val="0"/>
+            </a:schemeClr>
+          </a:solidFill>
+          <a:prstDash val="solid"/>
+        </a:ln>
+        <a:effectLst/>
+      </dsp:spPr>
+      <dsp:style>
+        <a:lnRef idx="2">
+          <a:scrgbClr r="0" g="0" b="0"/>
+        </a:lnRef>
+        <a:fillRef idx="1">
+          <a:scrgbClr r="0" g="0" b="0"/>
+        </a:fillRef>
+        <a:effectRef idx="0">
+          <a:scrgbClr r="0" g="0" b="0"/>
+        </a:effectRef>
+        <a:fontRef idx="minor">
+          <a:schemeClr val="lt1"/>
+        </a:fontRef>
+      </dsp:style>
+      <dsp:txBody>
+        <a:bodyPr spcFirstLastPara="0" vert="horz" wrap="square" lIns="72390" tIns="72390" rIns="72390" bIns="72390" numCol="1" spcCol="1270" anchor="ctr" anchorCtr="0">
+          <a:noAutofit/>
+        </a:bodyPr>
+        <a:lstStyle/>
+        <a:p>
+          <a:pPr lvl="0" algn="ctr" defTabSz="844550">
+            <a:lnSpc>
+              <a:spcPct val="90000"/>
+            </a:lnSpc>
+            <a:spcBef>
+              <a:spcPct val="0"/>
+            </a:spcBef>
+            <a:spcAft>
+              <a:spcPct val="35000"/>
+            </a:spcAft>
+          </a:pPr>
+          <a:endParaRPr lang="en-US" sz="1900" kern="1200"/>
+        </a:p>
+      </dsp:txBody>
+      <dsp:txXfrm>
+        <a:off x="3076686" y="1322768"/>
+        <a:ext cx="1333179" cy="834948"/>
+      </dsp:txXfrm>
+    </dsp:sp>
+    <dsp:sp modelId="{1C89055F-4211-45F9-9998-F5B0A444A035}">
+      <dsp:nvSpPr>
+        <dsp:cNvPr id="0" name=""/>
+        <dsp:cNvSpPr/>
+      </dsp:nvSpPr>
+      <dsp:spPr>
+        <a:xfrm>
+          <a:off x="3652836" y="463409"/>
+          <a:ext cx="3695701" cy="3695701"/>
+        </a:xfrm>
+        <a:custGeom>
+          <a:avLst/>
+          <a:gdLst/>
+          <a:ahLst/>
+          <a:cxnLst/>
+          <a:rect l="0" t="0" r="0" b="0"/>
+          <a:pathLst>
+            <a:path>
+              <a:moveTo>
+                <a:pt x="322514" y="804826"/>
+              </a:moveTo>
+              <a:arcTo wR="1847850" hR="1847850" stAng="12861858" swAng="2098355"/>
+            </a:path>
+          </a:pathLst>
+        </a:custGeom>
+        <a:noFill/>
+        <a:ln w="9525" cap="flat" cmpd="sng" algn="ctr">
+          <a:solidFill>
+            <a:schemeClr val="accent1">
+              <a:hueOff val="0"/>
+              <a:satOff val="0"/>
+              <a:lumOff val="0"/>
+              <a:alphaOff val="0"/>
+            </a:schemeClr>
+          </a:solidFill>
+          <a:prstDash val="solid"/>
+        </a:ln>
+        <a:effectLst/>
+      </dsp:spPr>
+      <dsp:style>
+        <a:lnRef idx="1">
+          <a:scrgbClr r="0" g="0" b="0"/>
+        </a:lnRef>
+        <a:fillRef idx="0">
+          <a:scrgbClr r="0" g="0" b="0"/>
+        </a:fillRef>
+        <a:effectRef idx="0">
+          <a:scrgbClr r="0" g="0" b="0"/>
+        </a:effectRef>
+        <a:fontRef idx="minor"/>
+      </dsp:style>
+    </dsp:sp>
+  </dsp:spTree>
+</dsp:drawing>
+</file>
+
+<file path=ppt/diagrams/layout1.xml><?xml version="1.0" encoding="utf-8"?>
+<dgm:layoutDef xmlns:dgm="http://schemas.openxmlformats.org/drawingml/2006/diagram" xmlns:a="http://schemas.openxmlformats.org/drawingml/2006/main" uniqueId="urn:microsoft.com/office/officeart/2005/8/layout/cycle6">
+  <dgm:title val=""/>
+  <dgm:desc val=""/>
+  <dgm:catLst>
+    <dgm:cat type="cycle" pri="4000"/>
+    <dgm:cat type="relationship" pri="24000"/>
+  </dgm:catLst>
+  <dgm:sampData>
+    <dgm:dataModel>
+      <dgm:ptLst>
+        <dgm:pt modelId="0" type="doc"/>
+        <dgm:pt modelId="1">
+          <dgm:prSet phldr="1"/>
+        </dgm:pt>
+        <dgm:pt modelId="2">
+          <dgm:prSet phldr="1"/>
+        </dgm:pt>
+        <dgm:pt modelId="3">
+          <dgm:prSet phldr="1"/>
+        </dgm:pt>
+        <dgm:pt modelId="4">
+          <dgm:prSet phldr="1"/>
+        </dgm:pt>
+        <dgm:pt modelId="5">
+          <dgm:prSet phldr="1"/>
+        </dgm:pt>
+      </dgm:ptLst>
+      <dgm:cxnLst>
+        <dgm:cxn modelId="6" srcId="0" destId="1" srcOrd="0" destOrd="0"/>
+        <dgm:cxn modelId="7" srcId="0" destId="2" srcOrd="1" destOrd="0"/>
+        <dgm:cxn modelId="8" srcId="0" destId="3" srcOrd="2" destOrd="0"/>
+        <dgm:cxn modelId="9" srcId="0" destId="4" srcOrd="3" destOrd="0"/>
+        <dgm:cxn modelId="10" srcId="0" destId="5" srcOrd="4" destOrd="0"/>
+      </dgm:cxnLst>
+      <dgm:bg/>
+      <dgm:whole/>
+    </dgm:dataModel>
+  </dgm:sampData>
+  <dgm:styleData>
+    <dgm:dataModel>
+      <dgm:ptLst>
+        <dgm:pt modelId="0" type="doc"/>
+        <dgm:pt modelId="1"/>
+        <dgm:pt modelId="2"/>
+        <dgm:pt modelId="3"/>
+      </dgm:ptLst>
+      <dgm:cxnLst>
+        <dgm:cxn modelId="4" srcId="0" destId="1" srcOrd="0" destOrd="0"/>
+        <dgm:cxn modelId="5" srcId="0" destId="2" srcOrd="1" destOrd="0"/>
+        <dgm:cxn modelId="6" srcId="0" destId="3" srcOrd="2" destOrd="0"/>
+      </dgm:cxnLst>
+      <dgm:bg/>
+      <dgm:whole/>
+    </dgm:dataModel>
+  </dgm:styleData>
+  <dgm:clrData>
+    <dgm:dataModel>
+      <dgm:ptLst>
+        <dgm:pt modelId="0" type="doc"/>
+        <dgm:pt modelId="1"/>
+        <dgm:pt modelId="2"/>
+        <dgm:pt modelId="3"/>
+        <dgm:pt modelId="4"/>
+        <dgm:pt modelId="5"/>
+        <dgm:pt modelId="6"/>
+      </dgm:ptLst>
+      <dgm:cxnLst>
+        <dgm:cxn modelId="7" srcId="0" destId="1" srcOrd="0" destOrd="0"/>
+        <dgm:cxn modelId="8" srcId="0" destId="2" srcOrd="1" destOrd="0"/>
+        <dgm:cxn modelId="9" srcId="0" destId="3" srcOrd="2" destOrd="0"/>
+        <dgm:cxn modelId="10" srcId="0" destId="4" srcOrd="3" destOrd="0"/>
+        <dgm:cxn modelId="11" srcId="0" destId="5" srcOrd="4" destOrd="0"/>
+        <dgm:cxn modelId="12" srcId="0" destId="6" srcOrd="5" destOrd="0"/>
+      </dgm:cxnLst>
+      <dgm:bg/>
+      <dgm:whole/>
+    </dgm:dataModel>
+  </dgm:clrData>
+  <dgm:layoutNode name="cycle">
+    <dgm:varLst>
+      <dgm:dir/>
+      <dgm:resizeHandles val="exact"/>
+    </dgm:varLst>
+    <dgm:choose name="Name0">
+      <dgm:if name="Name1" func="var" arg="dir" op="equ" val="norm">
+        <dgm:choose name="Name2">
+          <dgm:if name="Name3" axis="ch" ptType="node" func="cnt" op="gt" val="2">
+            <dgm:alg type="cycle">
+              <dgm:param type="stAng" val="0"/>
+              <dgm:param type="spanAng" val="360"/>
+            </dgm:alg>
+          </dgm:if>
+          <dgm:else name="Name4">
+            <dgm:alg type="cycle">
+              <dgm:param type="stAng" val="-90"/>
+              <dgm:param type="spanAng" val="360"/>
+            </dgm:alg>
+          </dgm:else>
+        </dgm:choose>
+      </dgm:if>
+      <dgm:else name="Name5">
+        <dgm:choose name="Name6">
+          <dgm:if name="Name7" axis="ch" ptType="node" func="cnt" op="gt" val="2">
+            <dgm:alg type="cycle">
+              <dgm:param type="stAng" val="0"/>
+              <dgm:param type="spanAng" val="-360"/>
+            </dgm:alg>
+          </dgm:if>
+          <dgm:else name="Name8">
+            <dgm:alg type="cycle">
+              <dgm:param type="stAng" val="90"/>
+              <dgm:param type="spanAng" val="-360"/>
+            </dgm:alg>
+          </dgm:else>
+        </dgm:choose>
+      </dgm:else>
+    </dgm:choose>
+    <dgm:shape xmlns:r="http://schemas.openxmlformats.org/officeDocument/2006/relationships" r:blip="">
+      <dgm:adjLst/>
+    </dgm:shape>
+    <dgm:presOf/>
+    <dgm:choose name="Name9">
+      <dgm:if name="Name10" func="var" arg="dir" op="equ" val="norm">
+        <dgm:constrLst>
+          <dgm:constr type="w" for="ch" forName="node" refType="w"/>
+          <dgm:constr type="w" for="ch" ptType="sibTrans" refType="w" refFor="ch" refForName="node" op="equ" fact="0.3"/>
+          <dgm:constr type="diam" for="ch" ptType="sibTrans" refType="diam" op="equ"/>
+          <dgm:constr type="sibSp" refType="w" refFor="ch" refForName="node" op="equ" fact="0.15"/>
+          <dgm:constr type="w" for="ch" forName="spNode" refType="sibSp" fact="1.6"/>
+          <dgm:constr type="primFontSz" for="ch" forName="node" op="equ" val="65"/>
+        </dgm:constrLst>
+      </dgm:if>
+      <dgm:else name="Name11">
+        <dgm:constrLst>
+          <dgm:constr type="w" for="ch" forName="node" refType="w"/>
+          <dgm:constr type="w" for="ch" ptType="sibTrans" refType="w" refFor="ch" refForName="node" op="equ" fact="0.3"/>
+          <dgm:constr type="diam" for="ch" ptType="sibTrans" refType="diam" op="equ" fact="-1"/>
+          <dgm:constr type="sibSp" refType="w" refFor="ch" refForName="node" op="equ" fact="0.15"/>
+          <dgm:constr type="w" for="ch" forName="spNode" refType="sibSp" fact="1.6"/>
+          <dgm:constr type="primFontSz" for="ch" forName="node" op="equ" val="65"/>
+        </dgm:constrLst>
+      </dgm:else>
+    </dgm:choose>
+    <dgm:ruleLst/>
+    <dgm:forEach name="Name12" axis="ch" ptType="node">
+      <dgm:layoutNode name="node">
+        <dgm:varLst>
+          <dgm:bulletEnabled val="1"/>
+        </dgm:varLst>
+        <dgm:alg type="tx"/>
+        <dgm:shape xmlns:r="http://schemas.openxmlformats.org/officeDocument/2006/relationships" type="roundRect" r:blip="">
+          <dgm:adjLst/>
+        </dgm:shape>
+        <dgm:presOf axis="desOrSelf" ptType="node"/>
+        <dgm:constrLst>
+          <dgm:constr type="h" refType="w" fact="0.65"/>
+          <dgm:constr type="tMarg" refType="primFontSz" fact="0.3"/>
+          <dgm:constr type="bMarg" refType="primFontSz" fact="0.3"/>
+          <dgm:constr type="lMarg" refType="primFontSz" fact="0.3"/>
+          <dgm:constr type="rMarg" refType="primFontSz" fact="0.3"/>
+        </dgm:constrLst>
+        <dgm:ruleLst>
+          <dgm:rule type="primFontSz" val="5" fact="NaN" max="NaN"/>
+        </dgm:ruleLst>
+      </dgm:layoutNode>
+      <dgm:choose name="Name13">
+        <dgm:if name="Name14" axis="par ch" ptType="doc node" func="cnt" op="gt" val="1">
+          <dgm:layoutNode name="spNode">
+            <dgm:alg type="sp"/>
+            <dgm:shape xmlns:r="http://schemas.openxmlformats.org/officeDocument/2006/relationships" r:blip="">
+              <dgm:adjLst/>
+            </dgm:shape>
+            <dgm:presOf/>
+            <dgm:constrLst>
+              <dgm:constr type="h" refType="w"/>
+            </dgm:constrLst>
+            <dgm:ruleLst/>
+          </dgm:layoutNode>
+          <dgm:forEach name="Name15" axis="followSib" ptType="sibTrans" hideLastTrans="0" cnt="1">
+            <dgm:layoutNode name="sibTrans">
+              <dgm:alg type="conn">
+                <dgm:param type="dim" val="1D"/>
+                <dgm:param type="connRout" val="curve"/>
+                <dgm:param type="begPts" val="radial"/>
+                <dgm:param type="endPts" val="radial"/>
+                <dgm:param type="endSty" val="noArr"/>
+              </dgm:alg>
+              <dgm:shape xmlns:r="http://schemas.openxmlformats.org/officeDocument/2006/relationships" type="conn" r:blip="">
+                <dgm:adjLst/>
+              </dgm:shape>
+              <dgm:presOf axis="self"/>
+              <dgm:constrLst>
+                <dgm:constr type="h" refType="w" fact="0.65"/>
+                <dgm:constr type="connDist"/>
+                <dgm:constr type="begPad" refType="connDist" fact="0.01"/>
+                <dgm:constr type="endPad" refType="connDist" fact="0.01"/>
+              </dgm:constrLst>
+              <dgm:ruleLst/>
+            </dgm:layoutNode>
+          </dgm:forEach>
+        </dgm:if>
+        <dgm:else name="Name16"/>
+      </dgm:choose>
+    </dgm:forEach>
+  </dgm:layoutNode>
+</dgm:layoutDef>
+</file>
+
+<file path=ppt/diagrams/quickStyle1.xml><?xml version="1.0" encoding="utf-8"?>
+<dgm:styleDef xmlns:dgm="http://schemas.openxmlformats.org/drawingml/2006/diagram" xmlns:a="http://schemas.openxmlformats.org/drawingml/2006/main" uniqueId="urn:microsoft.com/office/officeart/2005/8/quickstyle/simple1">
+  <dgm:title val=""/>
+  <dgm:desc val=""/>
+  <dgm:catLst>
+    <dgm:cat type="simple" pri="10100"/>
+  </dgm:catLst>
+  <dgm:scene3d>
+    <a:camera prst="orthographicFront"/>
+    <a:lightRig rig="threePt" dir="t"/>
+  </dgm:scene3d>
+  <dgm:styleLbl name="node0">
+    <dgm:scene3d>
+      <a:camera prst="orthographicFront"/>
+      <a:lightRig rig="threePt" dir="t"/>
+    </dgm:scene3d>
+    <dgm:sp3d/>
+    <dgm:txPr/>
+    <dgm:style>
+      <a:lnRef idx="2">
+        <a:scrgbClr r="0" g="0" b="0"/>
+      </a:lnRef>
+      <a:fillRef idx="1">
+        <a:scrgbClr r="0" g="0" b="0"/>
+      </a:fillRef>
+      <a:effectRef idx="0">
+        <a:scrgbClr r="0" g="0" b="0"/>
+      </a:effectRef>
+      <a:fontRef idx="minor">
+        <a:schemeClr val="lt1"/>
+      </a:fontRef>
+    </dgm:style>
+  </dgm:styleLbl>
+  <dgm:styleLbl name="lnNode1">
+    <dgm:scene3d>
+      <a:camera prst="orthographicFront"/>
+      <a:lightRig rig="threePt" dir="t"/>
+    </dgm:scene3d>
+    <dgm:sp3d/>
+    <dgm:txPr/>
+    <dgm:style>
+      <a:lnRef idx="2">
+        <a:scrgbClr r="0" g="0" b="0"/>
+      </a:lnRef>
+      <a:fillRef idx="1">
+        <a:scrgbClr r="0" g="0" b="0"/>
+      </a:fillRef>
+      <a:effectRef idx="0">
+        <a:scrgbClr r="0" g="0" b="0"/>
+      </a:effectRef>
+      <a:fontRef idx="minor">
+        <a:schemeClr val="lt1"/>
+      </a:fontRef>
+    </dgm:style>
+  </dgm:styleLbl>
+  <dgm:styleLbl name="vennNode1">
+    <dgm:scene3d>
+      <a:camera prst="orthographicFront"/>
+      <a:lightRig rig="threePt" dir="t"/>
+    </dgm:scene3d>
+    <dgm:sp3d/>
+    <dgm:txPr/>
+    <dgm:style>
+      <a:lnRef idx="2">
+        <a:scrgbClr r="0" g="0" b="0"/>
+      </a:lnRef>
+      <a:fillRef idx="1">
+        <a:scrgbClr r="0" g="0" b="0"/>
+      </a:fillRef>
+      <a:effectRef idx="0">
+        <a:scrgbClr r="0" g="0" b="0"/>
+      </a:effectRef>
+      <a:fontRef idx="minor">
+        <a:schemeClr val="tx1"/>
+      </a:fontRef>
+    </dgm:style>
+  </dgm:styleLbl>
+  <dgm:styleLbl name="alignNode1">
+    <dgm:scene3d>
+      <a:camera prst="orthographicFront"/>
+      <a:lightRig rig="threePt" dir="t"/>
+    </dgm:scene3d>
+    <dgm:sp3d/>
+    <dgm:txPr/>
+    <dgm:style>
+      <a:lnRef idx="2">
+        <a:scrgbClr r="0" g="0" b="0"/>
+      </a:lnRef>
+      <a:fillRef idx="1">
+        <a:scrgbClr r="0" g="0" b="0"/>
+      </a:fillRef>
+      <a:effectRef idx="0">
+        <a:scrgbClr r="0" g="0" b="0"/>
+      </a:effectRef>
+      <a:fontRef idx="minor">
+        <a:schemeClr val="lt1"/>
+      </a:fontRef>
+    </dgm:style>
+  </dgm:styleLbl>
+  <dgm:styleLbl name="node1">
+    <dgm:scene3d>
+      <a:camera prst="orthographicFront"/>
+      <a:lightRig rig="threePt" dir="t"/>
+    </dgm:scene3d>
+    <dgm:sp3d/>
+    <dgm:txPr/>
+    <dgm:style>
+      <a:lnRef idx="2">
+        <a:scrgbClr r="0" g="0" b="0"/>
+      </a:lnRef>
+      <a:fillRef idx="1">
+        <a:scrgbClr r="0" g="0" b="0"/>
+      </a:fillRef>
+      <a:effectRef idx="0">
+        <a:scrgbClr r="0" g="0" b="0"/>
+      </a:effectRef>
+      <a:fontRef idx="minor">
+        <a:schemeClr val="lt1"/>
+      </a:fontRef>
+    </dgm:style>
+  </dgm:styleLbl>
+  <dgm:styleLbl name="node2">
+    <dgm:scene3d>
+      <a:camera prst="orthographicFront"/>
+      <a:lightRig rig="threePt" dir="t"/>
+    </dgm:scene3d>
+    <dgm:sp3d/>
+    <dgm:txPr/>
+    <dgm:style>
+      <a:lnRef idx="2">
+        <a:scrgbClr r="0" g="0" b="0"/>
+      </a:lnRef>
+      <a:fillRef idx="1">
+        <a:scrgbClr r="0" g="0" b="0"/>
+      </a:fillRef>
+      <a:effectRef idx="0">
+        <a:scrgbClr r="0" g="0" b="0"/>
+      </a:effectRef>
+      <a:fontRef idx="minor">
+        <a:schemeClr val="lt1"/>
+      </a:fontRef>
+    </dgm:style>
+  </dgm:styleLbl>
+  <dgm:styleLbl name="node3">
+    <dgm:scene3d>
+      <a:camera prst="orthographicFront"/>
+      <a:lightRig rig="threePt" dir="t"/>
+    </dgm:scene3d>
+    <dgm:sp3d/>
+    <dgm:txPr/>
+    <dgm:style>
+      <a:lnRef idx="2">
+        <a:scrgbClr r="0" g="0" b="0"/>
+      </a:lnRef>
+      <a:fillRef idx="1">
+        <a:scrgbClr r="0" g="0" b="0"/>
+      </a:fillRef>
+      <a:effectRef idx="0">
+        <a:scrgbClr r="0" g="0" b="0"/>
+      </a:effectRef>
+      <a:fontRef idx="minor">
+        <a:schemeClr val="lt1"/>
+      </a:fontRef>
+    </dgm:style>
+  </dgm:styleLbl>
+  <dgm:styleLbl name="node4">
+    <dgm:scene3d>
+      <a:camera prst="orthographicFront"/>
+      <a:lightRig rig="threePt" dir="t"/>
+    </dgm:scene3d>
+    <dgm:sp3d/>
+    <dgm:txPr/>
+    <dgm:style>
+      <a:lnRef idx="2">
+        <a:scrgbClr r="0" g="0" b="0"/>
+      </a:lnRef>
+      <a:fillRef idx="1">
+        <a:scrgbClr r="0" g="0" b="0"/>
+      </a:fillRef>
+      <a:effectRef idx="0">
+        <a:scrgbClr r="0" g="0" b="0"/>
+      </a:effectRef>
+      <a:fontRef idx="minor">
+        <a:schemeClr val="lt1"/>
+      </a:fontRef>
+    </dgm:style>
+  </dgm:styleLbl>
+  <dgm:styleLbl name="fgImgPlace1">
+    <dgm:scene3d>
+      <a:camera prst="orthographicFront"/>
+      <a:lightRig rig="threePt" dir="t"/>
+    </dgm:scene3d>
+    <dgm:sp3d/>
+    <dgm:txPr/>
+    <dgm:style>
+      <a:lnRef idx="2">
+        <a:scrgbClr r="0" g="0" b="0"/>
+      </a:lnRef>
+      <a:fillRef idx="1">
+        <a:scrgbClr r="0" g="0" b="0"/>
+      </a:fillRef>
+      <a:effectRef idx="0">
+        <a:scrgbClr r="0" g="0" b="0"/>
+      </a:effectRef>
+      <a:fontRef idx="minor"/>
+    </dgm:style>
+  </dgm:styleLbl>
+  <dgm:styleLbl name="alignImgPlace1">
+    <dgm:scene3d>
+      <a:camera prst="orthographicFront"/>
+      <a:lightRig rig="threePt" dir="t"/>
+    </dgm:scene3d>
+    <dgm:sp3d/>
+    <dgm:txPr/>
+    <dgm:style>
+      <a:lnRef idx="2">
+        <a:scrgbClr r="0" g="0" b="0"/>
+      </a:lnRef>
+      <a:fillRef idx="1">
+        <a:scrgbClr r="0" g="0" b="0"/>
+      </a:fillRef>
+      <a:effectRef idx="0">
+        <a:scrgbClr r="0" g="0" b="0"/>
+      </a:effectRef>
+      <a:fontRef idx="minor"/>
+    </dgm:style>
+  </dgm:styleLbl>
+  <dgm:styleLbl name="bgImgPlace1">
+    <dgm:scene3d>
+      <a:camera prst="orthographicFront"/>
+      <a:lightRig rig="threePt" dir="t"/>
+    </dgm:scene3d>
+    <dgm:sp3d/>
+    <dgm:txPr/>
+    <dgm:style>
+      <a:lnRef idx="2">
+        <a:scrgbClr r="0" g="0" b="0"/>
+      </a:lnRef>
+      <a:fillRef idx="1">
+        <a:scrgbClr r="0" g="0" b="0"/>
+      </a:fillRef>
+      <a:effectRef idx="0">
+        <a:scrgbClr r="0" g="0" b="0"/>
+      </a:effectRef>
+      <a:fontRef idx="minor"/>
+    </dgm:style>
+  </dgm:styleLbl>
+  <dgm:styleLbl name="sibTrans2D1">
+    <dgm:scene3d>
+      <a:camera prst="orthographicFront"/>
+      <a:lightRig rig="threePt" dir="t"/>
+    </dgm:scene3d>
+    <dgm:sp3d/>
+    <dgm:txPr/>
+    <dgm:style>
+      <a:lnRef idx="0">
+        <a:scrgbClr r="0" g="0" b="0"/>
+      </a:lnRef>
+      <a:fillRef idx="1">
+        <a:scrgbClr r="0" g="0" b="0"/>
+      </a:fillRef>
+      <a:effectRef idx="0">
+        <a:scrgbClr r="0" g="0" b="0"/>
+      </a:effectRef>
+      <a:fontRef idx="minor">
+        <a:schemeClr val="lt1"/>
+      </a:fontRef>
+    </dgm:style>
+  </dgm:styleLbl>
+  <dgm:styleLbl name="fgSibTrans2D1">
+    <dgm:scene3d>
+      <a:camera prst="orthographicFront"/>
+      <a:lightRig rig="threePt" dir="t"/>
+    </dgm:scene3d>
+    <dgm:sp3d/>
+    <dgm:txPr/>
+    <dgm:style>
+      <a:lnRef idx="0">
+        <a:scrgbClr r="0" g="0" b="0"/>
+      </a:lnRef>
+      <a:fillRef idx="1">
+        <a:scrgbClr r="0" g="0" b="0"/>
+      </a:fillRef>
+      <a:effectRef idx="0">
+        <a:scrgbClr r="0" g="0" b="0"/>
+      </a:effectRef>
+      <a:fontRef idx="minor">
+        <a:schemeClr val="lt1"/>
+      </a:fontRef>
+    </dgm:style>
+  </dgm:styleLbl>
+  <dgm:styleLbl name="bgSibTrans2D1">
+    <dgm:scene3d>
+      <a:camera prst="orthographicFront"/>
+      <a:lightRig rig="threePt" dir="t"/>
+    </dgm:scene3d>
+    <dgm:sp3d/>
+    <dgm:txPr/>
+    <dgm:style>
+      <a:lnRef idx="0">
+        <a:scrgbClr r="0" g="0" b="0"/>
+      </a:lnRef>
+      <a:fillRef idx="1">
+        <a:scrgbClr r="0" g="0" b="0"/>
+      </a:fillRef>
+      <a:effectRef idx="0">
+        <a:scrgbClr r="0" g="0" b="0"/>
+      </a:effectRef>
+      <a:fontRef idx="minor">
+        <a:schemeClr val="lt1"/>
+      </a:fontRef>
+    </dgm:style>
+  </dgm:styleLbl>
+  <dgm:styleLbl name="sibTrans1D1">
+    <dgm:scene3d>
+      <a:camera prst="orthographicFront"/>
+      <a:lightRig rig="threePt" dir="t"/>
+    </dgm:scene3d>
+    <dgm:sp3d/>
+    <dgm:txPr/>
+    <dgm:style>
+      <a:lnRef idx="1">
+        <a:scrgbClr r="0" g="0" b="0"/>
+      </a:lnRef>
+      <a:fillRef idx="0">
+        <a:scrgbClr r="0" g="0" b="0"/>
+      </a:fillRef>
+      <a:effectRef idx="0">
+        <a:scrgbClr r="0" g="0" b="0"/>
+      </a:effectRef>
+      <a:fontRef idx="minor"/>
+    </dgm:style>
+  </dgm:styleLbl>
+  <dgm:styleLbl name="callout">
+    <dgm:scene3d>
+      <a:camera prst="orthographicFront"/>
+      <a:lightRig rig="threePt" dir="t"/>
+    </dgm:scene3d>
+    <dgm:sp3d/>
+    <dgm:txPr/>
+    <dgm:style>
+      <a:lnRef idx="2">
+        <a:scrgbClr r="0" g="0" b="0"/>
+      </a:lnRef>
+      <a:fillRef idx="1">
+        <a:scrgbClr r="0" g="0" b="0"/>
+      </a:fillRef>
+      <a:effectRef idx="0">
+        <a:scrgbClr r="0" g="0" b="0"/>
+      </a:effectRef>
+      <a:fontRef idx="minor"/>
+    </dgm:style>
+  </dgm:styleLbl>
+  <dgm:styleLbl name="asst0">
+    <dgm:scene3d>
+      <a:camera prst="orthographicFront"/>
+      <a:lightRig rig="threePt" dir="t"/>
+    </dgm:scene3d>
+    <dgm:sp3d/>
+    <dgm:txPr/>
+    <dgm:style>
+      <a:lnRef idx="2">
+        <a:scrgbClr r="0" g="0" b="0"/>
+      </a:lnRef>
+      <a:fillRef idx="1">
+        <a:scrgbClr r="0" g="0" b="0"/>
+      </a:fillRef>
+      <a:effectRef idx="0">
+        <a:scrgbClr r="0" g="0" b="0"/>
+      </a:effectRef>
+      <a:fontRef idx="minor">
+        <a:schemeClr val="lt1"/>
+      </a:fontRef>
+    </dgm:style>
+  </dgm:styleLbl>
+  <dgm:styleLbl name="asst1">
+    <dgm:scene3d>
+      <a:camera prst="orthographicFront"/>
+      <a:lightRig rig="threePt" dir="t"/>
+    </dgm:scene3d>
+    <dgm:sp3d/>
+    <dgm:txPr/>
+    <dgm:style>
+      <a:lnRef idx="2">
+        <a:scrgbClr r="0" g="0" b="0"/>
+      </a:lnRef>
+      <a:fillRef idx="1">
+        <a:scrgbClr r="0" g="0" b="0"/>
+      </a:fillRef>
+      <a:effectRef idx="0">
+        <a:scrgbClr r="0" g="0" b="0"/>
+      </a:effectRef>
+      <a:fontRef idx="minor">
+        <a:schemeClr val="lt1"/>
+      </a:fontRef>
+    </dgm:style>
+  </dgm:styleLbl>
+  <dgm:styleLbl name="asst2">
+    <dgm:scene3d>
+      <a:camera prst="orthographicFront"/>
+      <a:lightRig rig="threePt" dir="t"/>
+    </dgm:scene3d>
+    <dgm:sp3d/>
+    <dgm:txPr/>
+    <dgm:style>
+      <a:lnRef idx="2">
+        <a:scrgbClr r="0" g="0" b="0"/>
+      </a:lnRef>
+      <a:fillRef idx="1">
+        <a:scrgbClr r="0" g="0" b="0"/>
+      </a:fillRef>
+      <a:effectRef idx="0">
+        <a:scrgbClr r="0" g="0" b="0"/>
+      </a:effectRef>
+      <a:fontRef idx="minor">
+        <a:schemeClr val="lt1"/>
+      </a:fontRef>
+    </dgm:style>
+  </dgm:styleLbl>
+  <dgm:styleLbl name="asst3">
+    <dgm:scene3d>
+      <a:camera prst="orthographicFront"/>
+      <a:lightRig rig="threePt" dir="t"/>
+    </dgm:scene3d>
+    <dgm:sp3d/>
+    <dgm:txPr/>
+    <dgm:style>
+      <a:lnRef idx="2">
+        <a:scrgbClr r="0" g="0" b="0"/>
+      </a:lnRef>
+      <a:fillRef idx="1">
+        <a:scrgbClr r="0" g="0" b="0"/>
+      </a:fillRef>
+      <a:effectRef idx="0">
+        <a:scrgbClr r="0" g="0" b="0"/>
+      </a:effectRef>
+      <a:fontRef idx="minor">
+        <a:schemeClr val="lt1"/>
+      </a:fontRef>
+    </dgm:style>
+  </dgm:styleLbl>
+  <dgm:styleLbl name="asst4">
+    <dgm:scene3d>
+      <a:camera prst="orthographicFront"/>
+      <a:lightRig rig="threePt" dir="t"/>
+    </dgm:scene3d>
+    <dgm:sp3d/>
+    <dgm:txPr/>
+    <dgm:style>
+      <a:lnRef idx="2">
+        <a:scrgbClr r="0" g="0" b="0"/>
+      </a:lnRef>
+      <a:fillRef idx="1">
+        <a:scrgbClr r="0" g="0" b="0"/>
+      </a:fillRef>
+      <a:effectRef idx="0">
+        <a:scrgbClr r="0" g="0" b="0"/>
+      </a:effectRef>
+      <a:fontRef idx="minor">
+        <a:schemeClr val="lt1"/>
+      </a:fontRef>
+    </dgm:style>
+  </dgm:styleLbl>
+  <dgm:styleLbl name="parChTrans2D1">
+    <dgm:scene3d>
+      <a:camera prst="orthographicFront"/>
+      <a:lightRig rig="threePt" dir="t"/>
+    </dgm:scene3d>
+    <dgm:sp3d/>
+    <dgm:txPr/>
+    <dgm:style>
+      <a:lnRef idx="2">
+        <a:scrgbClr r="0" g="0" b="0"/>
+      </a:lnRef>
+      <a:fillRef idx="1">
+        <a:scrgbClr r="0" g="0" b="0"/>
+      </a:fillRef>
+      <a:effectRef idx="0">
+        <a:scrgbClr r="0" g="0" b="0"/>
+      </a:effectRef>
+      <a:fontRef idx="minor">
+        <a:schemeClr val="lt1"/>
+      </a:fontRef>
+    </dgm:style>
+  </dgm:styleLbl>
+  <dgm:styleLbl name="parChTrans2D2">
+    <dgm:scene3d>
+      <a:camera prst="orthographicFront"/>
+      <a:lightRig rig="threePt" dir="t"/>
+    </dgm:scene3d>
+    <dgm:sp3d/>
+    <dgm:txPr/>
+    <dgm:style>
+      <a:lnRef idx="2">
+        <a:scrgbClr r="0" g="0" b="0"/>
+      </a:lnRef>
+      <a:fillRef idx="1">
+        <a:scrgbClr r="0" g="0" b="0"/>
+      </a:fillRef>
+      <a:effectRef idx="0">
+        <a:scrgbClr r="0" g="0" b="0"/>
+      </a:effectRef>
+      <a:fontRef idx="minor">
+        <a:schemeClr val="lt1"/>
+      </a:fontRef>
+    </dgm:style>
+  </dgm:styleLbl>
+  <dgm:styleLbl name="parChTrans2D3">
+    <dgm:scene3d>
+      <a:camera prst="orthographicFront"/>
+      <a:lightRig rig="threePt" dir="t"/>
+    </dgm:scene3d>
+    <dgm:sp3d/>
+    <dgm:txPr/>
+    <dgm:style>
+      <a:lnRef idx="2">
+        <a:scrgbClr r="0" g="0" b="0"/>
+      </a:lnRef>
+      <a:fillRef idx="1">
+        <a:scrgbClr r="0" g="0" b="0"/>
+      </a:fillRef>
+      <a:effectRef idx="0">
+        <a:scrgbClr r="0" g="0" b="0"/>
+      </a:effectRef>
+      <a:fontRef idx="minor">
+        <a:schemeClr val="lt1"/>
+      </a:fontRef>
+    </dgm:style>
+  </dgm:styleLbl>
+  <dgm:styleLbl name="parChTrans2D4">
+    <dgm:scene3d>
+      <a:camera prst="orthographicFront"/>
+      <a:lightRig rig="threePt" dir="t"/>
+    </dgm:scene3d>
+    <dgm:sp3d/>
+    <dgm:txPr/>
+    <dgm:style>
+      <a:lnRef idx="2">
+        <a:scrgbClr r="0" g="0" b="0"/>
+      </a:lnRef>
+      <a:fillRef idx="1">
+        <a:scrgbClr r="0" g="0" b="0"/>
+      </a:fillRef>
+      <a:effectRef idx="0">
+        <a:scrgbClr r="0" g="0" b="0"/>
+      </a:effectRef>
+      <a:fontRef idx="minor">
+        <a:schemeClr val="lt1"/>
+      </a:fontRef>
+    </dgm:style>
+  </dgm:styleLbl>
+  <dgm:styleLbl name="parChTrans1D1">
+    <dgm:scene3d>
+      <a:camera prst="orthographicFront"/>
+      <a:lightRig rig="threePt" dir="t"/>
+    </dgm:scene3d>
+    <dgm:sp3d/>
+    <dgm:txPr/>
+    <dgm:style>
+      <a:lnRef idx="2">
+        <a:scrgbClr r="0" g="0" b="0"/>
+      </a:lnRef>
+      <a:fillRef idx="0">
+        <a:scrgbClr r="0" g="0" b="0"/>
+      </a:fillRef>
+      <a:effectRef idx="0">
+        <a:scrgbClr r="0" g="0" b="0"/>
+      </a:effectRef>
+      <a:fontRef idx="minor"/>
+    </dgm:style>
+  </dgm:styleLbl>
+  <dgm:styleLbl name="parChTrans1D2">
+    <dgm:scene3d>
+      <a:camera prst="orthographicFront"/>
+      <a:lightRig rig="threePt" dir="t"/>
+    </dgm:scene3d>
+    <dgm:sp3d/>
+    <dgm:txPr/>
+    <dgm:style>
+      <a:lnRef idx="2">
+        <a:scrgbClr r="0" g="0" b="0"/>
+      </a:lnRef>
+      <a:fillRef idx="0">
+        <a:scrgbClr r="0" g="0" b="0"/>
+      </a:fillRef>
+      <a:effectRef idx="0">
+        <a:scrgbClr r="0" g="0" b="0"/>
+      </a:effectRef>
+      <a:fontRef idx="minor"/>
+    </dgm:style>
+  </dgm:styleLbl>
+  <dgm:styleLbl name="parChTrans1D3">
+    <dgm:scene3d>
+      <a:camera prst="orthographicFront"/>
+      <a:lightRig rig="threePt" dir="t"/>
+    </dgm:scene3d>
+    <dgm:sp3d/>
+    <dgm:txPr/>
+    <dgm:style>
+      <a:lnRef idx="2">
+        <a:scrgbClr r="0" g="0" b="0"/>
+      </a:lnRef>
+      <a:fillRef idx="0">
+        <a:scrgbClr r="0" g="0" b="0"/>
+      </a:fillRef>
+      <a:effectRef idx="0">
+        <a:scrgbClr r="0" g="0" b="0"/>
+      </a:effectRef>
+      <a:fontRef idx="minor"/>
+    </dgm:style>
+  </dgm:styleLbl>
+  <dgm:styleLbl name="parChTrans1D4">
+    <dgm:scene3d>
+      <a:camera prst="orthographicFront"/>
+      <a:lightRig rig="threePt" dir="t"/>
+    </dgm:scene3d>
+    <dgm:sp3d/>
+    <dgm:txPr/>
+    <dgm:style>
+      <a:lnRef idx="2">
+        <a:scrgbClr r="0" g="0" b="0"/>
+      </a:lnRef>
+      <a:fillRef idx="0">
+        <a:scrgbClr r="0" g="0" b="0"/>
+      </a:fillRef>
+      <a:effectRef idx="0">
+        <a:scrgbClr r="0" g="0" b="0"/>
+      </a:effectRef>
+      <a:fontRef idx="minor"/>
+    </dgm:style>
+  </dgm:styleLbl>
+  <dgm:styleLbl name="fgAcc1">
+    <dgm:scene3d>
+      <a:camera prst="orthographicFront"/>
+      <a:lightRig rig="threePt" dir="t"/>
+    </dgm:scene3d>
+    <dgm:sp3d/>
+    <dgm:txPr/>
+    <dgm:style>
+      <a:lnRef idx="2">
+        <a:scrgbClr r="0" g="0" b="0"/>
+      </a:lnRef>
+      <a:fillRef idx="1">
+        <a:scrgbClr r="0" g="0" b="0"/>
+      </a:fillRef>
+      <a:effectRef idx="0">
+        <a:scrgbClr r="0" g="0" b="0"/>
+      </a:effectRef>
+      <a:fontRef idx="minor"/>
+    </dgm:style>
+  </dgm:styleLbl>
+  <dgm:styleLbl name="conFgAcc1">
+    <dgm:scene3d>
+      <a:camera prst="orthographicFront"/>
+      <a:lightRig rig="threePt" dir="t"/>
+    </dgm:scene3d>
+    <dgm:sp3d/>
+    <dgm:txPr/>
+    <dgm:style>
+      <a:lnRef idx="2">
+        <a:scrgbClr r="0" g="0" b="0"/>
+      </a:lnRef>
+      <a:fillRef idx="1">
+        <a:scrgbClr r="0" g="0" b="0"/>
+      </a:fillRef>
+      <a:effectRef idx="0">
+        <a:scrgbClr r="0" g="0" b="0"/>
+      </a:effectRef>
+      <a:fontRef idx="minor"/>
+    </dgm:style>
+  </dgm:styleLbl>
+  <dgm:styleLbl name="alignAcc1">
+    <dgm:scene3d>
+      <a:camera prst="orthographicFront"/>
+      <a:lightRig rig="threePt" dir="t"/>
+    </dgm:scene3d>
+    <dgm:sp3d/>
+    <dgm:txPr/>
+    <dgm:style>
+      <a:lnRef idx="2">
+        <a:scrgbClr r="0" g="0" b="0"/>
+      </a:lnRef>
+      <a:fillRef idx="1">
+        <a:scrgbClr r="0" g="0" b="0"/>
+      </a:fillRef>
+      <a:effectRef idx="0">
+        <a:scrgbClr r="0" g="0" b="0"/>
+      </a:effectRef>
+      <a:fontRef idx="minor"/>
+    </dgm:style>
+  </dgm:styleLbl>
+  <dgm:styleLbl name="trAlignAcc1">
+    <dgm:scene3d>
+      <a:camera prst="orthographicFront"/>
+      <a:lightRig rig="threePt" dir="t"/>
+    </dgm:scene3d>
+    <dgm:sp3d/>
+    <dgm:txPr/>
+    <dgm:style>
+      <a:lnRef idx="1">
+        <a:scrgbClr r="0" g="0" b="0"/>
+      </a:lnRef>
+      <a:fillRef idx="1">
+        <a:scrgbClr r="0" g="0" b="0"/>
+      </a:fillRef>
+      <a:effectRef idx="0">
+        <a:scrgbClr r="0" g="0" b="0"/>
+      </a:effectRef>
+      <a:fontRef idx="minor"/>
+    </dgm:style>
+  </dgm:styleLbl>
+  <dgm:styleLbl name="bgAcc1">
+    <dgm:scene3d>
+      <a:camera prst="orthographicFront"/>
+      <a:lightRig rig="threePt" dir="t"/>
+    </dgm:scene3d>
+    <dgm:sp3d/>
+    <dgm:txPr/>
+    <dgm:style>
+      <a:lnRef idx="2">
+        <a:scrgbClr r="0" g="0" b="0"/>
+      </a:lnRef>
+      <a:fillRef idx="1">
+        <a:scrgbClr r="0" g="0" b="0"/>
+      </a:fillRef>
+      <a:effectRef idx="0">
+        <a:scrgbClr r="0" g="0" b="0"/>
+      </a:effectRef>
+      <a:fontRef idx="minor"/>
+    </dgm:style>
+  </dgm:styleLbl>
+  <dgm:styleLbl name="solidFgAcc1">
+    <dgm:scene3d>
+      <a:camera prst="orthographicFront"/>
+      <a:lightRig rig="threePt" dir="t"/>
+    </dgm:scene3d>
+    <dgm:sp3d/>
+    <dgm:txPr/>
+    <dgm:style>
+      <a:lnRef idx="2">
+        <a:scrgbClr r="0" g="0" b="0"/>
+      </a:lnRef>
+      <a:fillRef idx="1">
+        <a:scrgbClr r="0" g="0" b="0"/>
+      </a:fillRef>
+      <a:effectRef idx="0">
+        <a:scrgbClr r="0" g="0" b="0"/>
+      </a:effectRef>
+      <a:fontRef idx="minor"/>
+    </dgm:style>
+  </dgm:styleLbl>
+  <dgm:styleLbl name="solidAlignAcc1">
+    <dgm:scene3d>
+      <a:camera prst="orthographicFront"/>
+      <a:lightRig rig="threePt" dir="t"/>
+    </dgm:scene3d>
+    <dgm:sp3d/>
+    <dgm:txPr/>
+    <dgm:style>
+      <a:lnRef idx="2">
+        <a:scrgbClr r="0" g="0" b="0"/>
+      </a:lnRef>
+      <a:fillRef idx="1">
+        <a:scrgbClr r="0" g="0" b="0"/>
+      </a:fillRef>
+      <a:effectRef idx="0">
+        <a:scrgbClr r="0" g="0" b="0"/>
+      </a:effectRef>
+      <a:fontRef idx="minor"/>
+    </dgm:style>
+  </dgm:styleLbl>
+  <dgm:styleLbl name="solidBgAcc1">
+    <dgm:scene3d>
+      <a:camera prst="orthographicFront"/>
+      <a:lightRig rig="threePt" dir="t"/>
+    </dgm:scene3d>
+    <dgm:sp3d/>
+    <dgm:txPr/>
+    <dgm:style>
+      <a:lnRef idx="2">
+        <a:scrgbClr r="0" g="0" b="0"/>
+      </a:lnRef>
+      <a:fillRef idx="1">
+        <a:scrgbClr r="0" g="0" b="0"/>
+      </a:fillRef>
+      <a:effectRef idx="0">
+        <a:scrgbClr r="0" g="0" b="0"/>
+      </a:effectRef>
+      <a:fontRef idx="minor"/>
+    </dgm:style>
+  </dgm:styleLbl>
+  <dgm:styleLbl name="fgAccFollowNode1">
+    <dgm:scene3d>
+      <a:camera prst="orthographicFront"/>
+      <a:lightRig rig="threePt" dir="t"/>
+    </dgm:scene3d>
+    <dgm:sp3d/>
+    <dgm:txPr/>
+    <dgm:style>
+      <a:lnRef idx="2">
+        <a:scrgbClr r="0" g="0" b="0"/>
+      </a:lnRef>
+      <a:fillRef idx="1">
+        <a:scrgbClr r="0" g="0" b="0"/>
+      </a:fillRef>
+      <a:effectRef idx="0">
+        <a:scrgbClr r="0" g="0" b="0"/>
+      </a:effectRef>
+      <a:fontRef idx="minor"/>
+    </dgm:style>
+  </dgm:styleLbl>
+  <dgm:styleLbl name="alignAccFollowNode1">
+    <dgm:scene3d>
+      <a:camera prst="orthographicFront"/>
+      <a:lightRig rig="threePt" dir="t"/>
+    </dgm:scene3d>
+    <dgm:sp3d/>
+    <dgm:txPr/>
+    <dgm:style>
+      <a:lnRef idx="2">
+        <a:scrgbClr r="0" g="0" b="0"/>
+      </a:lnRef>
+      <a:fillRef idx="1">
+        <a:scrgbClr r="0" g="0" b="0"/>
+      </a:fillRef>
+      <a:effectRef idx="0">
+        <a:scrgbClr r="0" g="0" b="0"/>
+      </a:effectRef>
+      <a:fontRef idx="minor"/>
+    </dgm:style>
+  </dgm:styleLbl>
+  <dgm:styleLbl name="bgAccFollowNode1">
+    <dgm:scene3d>
+      <a:camera prst="orthographicFront"/>
+      <a:lightRig rig="threePt" dir="t"/>
+    </dgm:scene3d>
+    <dgm:sp3d/>
+    <dgm:txPr/>
+    <dgm:style>
+      <a:lnRef idx="2">
+        <a:scrgbClr r="0" g="0" b="0"/>
+      </a:lnRef>
+      <a:fillRef idx="1">
+        <a:scrgbClr r="0" g="0" b="0"/>
+      </a:fillRef>
+      <a:effectRef idx="0">
+        <a:scrgbClr r="0" g="0" b="0"/>
+      </a:effectRef>
+      <a:fontRef idx="minor"/>
+    </dgm:style>
+  </dgm:styleLbl>
+  <dgm:styleLbl name="fgAcc0">
+    <dgm:scene3d>
+      <a:camera prst="orthographicFront"/>
+      <a:lightRig rig="threePt" dir="t"/>
+    </dgm:scene3d>
+    <dgm:sp3d/>
+    <dgm:txPr/>
+    <dgm:style>
+      <a:lnRef idx="2">
+        <a:scrgbClr r="0" g="0" b="0"/>
+      </a:lnRef>
+      <a:fillRef idx="1">
+        <a:scrgbClr r="0" g="0" b="0"/>
+      </a:fillRef>
+      <a:effectRef idx="0">
+        <a:scrgbClr r="0" g="0" b="0"/>
+      </a:effectRef>
+      <a:fontRef idx="minor"/>
+    </dgm:style>
+  </dgm:styleLbl>
+  <dgm:styleLbl name="fgAcc2">
+    <dgm:scene3d>
+      <a:camera prst="orthographicFront"/>
+      <a:lightRig rig="threePt" dir="t"/>
+    </dgm:scene3d>
+    <dgm:sp3d/>
+    <dgm:txPr/>
+    <dgm:style>
+      <a:lnRef idx="2">
+        <a:scrgbClr r="0" g="0" b="0"/>
+      </a:lnRef>
+      <a:fillRef idx="1">
+        <a:scrgbClr r="0" g="0" b="0"/>
+      </a:fillRef>
+      <a:effectRef idx="0">
+        <a:scrgbClr r="0" g="0" b="0"/>
+      </a:effectRef>
+      <a:fontRef idx="minor"/>
+    </dgm:style>
+  </dgm:styleLbl>
+  <dgm:styleLbl name="fgAcc3">
+    <dgm:scene3d>
+      <a:camera prst="orthographicFront"/>
+      <a:lightRig rig="threePt" dir="t"/>
+    </dgm:scene3d>
+    <dgm:sp3d/>
+    <dgm:txPr/>
+    <dgm:style>
+      <a:lnRef idx="2">
+        <a:scrgbClr r="0" g="0" b="0"/>
+      </a:lnRef>
+      <a:fillRef idx="1">
+        <a:scrgbClr r="0" g="0" b="0"/>
+      </a:fillRef>
+      <a:effectRef idx="0">
+        <a:scrgbClr r="0" g="0" b="0"/>
+      </a:effectRef>
+      <a:fontRef idx="minor"/>
+    </dgm:style>
+  </dgm:styleLbl>
+  <dgm:styleLbl name="fgAcc4">
+    <dgm:scene3d>
+      <a:camera prst="orthographicFront"/>
+      <a:lightRig rig="threePt" dir="t"/>
+    </dgm:scene3d>
+    <dgm:sp3d/>
+    <dgm:txPr/>
+    <dgm:style>
+      <a:lnRef idx="2">
+        <a:scrgbClr r="0" g="0" b="0"/>
+      </a:lnRef>
+      <a:fillRef idx="1">
+        <a:scrgbClr r="0" g="0" b="0"/>
+      </a:fillRef>
+      <a:effectRef idx="0">
+        <a:scrgbClr r="0" g="0" b="0"/>
+      </a:effectRef>
+      <a:fontRef idx="minor"/>
+    </dgm:style>
+  </dgm:styleLbl>
+  <dgm:styleLbl name="bgShp">
+    <dgm:scene3d>
+      <a:camera prst="orthographicFront"/>
+      <a:lightRig rig="threePt" dir="t"/>
+    </dgm:scene3d>
+    <dgm:sp3d/>
+    <dgm:txPr/>
+    <dgm:style>
+      <a:lnRef idx="0">
+        <a:scrgbClr r="0" g="0" b="0"/>
+      </a:lnRef>
+      <a:fillRef idx="1">
+        <a:scrgbClr r="0" g="0" b="0"/>
+      </a:fillRef>
+      <a:effectRef idx="0">
+        <a:scrgbClr r="0" g="0" b="0"/>
+      </a:effectRef>
+      <a:fontRef idx="minor"/>
+    </dgm:style>
+  </dgm:styleLbl>
+  <dgm:styleLbl name="dkBgShp">
+    <dgm:scene3d>
+      <a:camera prst="orthographicFront"/>
+      <a:lightRig rig="threePt" dir="t"/>
+    </dgm:scene3d>
+    <dgm:sp3d/>
+    <dgm:txPr/>
+    <dgm:style>
+      <a:lnRef idx="0">
+        <a:scrgbClr r="0" g="0" b="0"/>
+      </a:lnRef>
+      <a:fillRef idx="1">
+        <a:scrgbClr r="0" g="0" b="0"/>
+      </a:fillRef>
+      <a:effectRef idx="0">
+        <a:scrgbClr r="0" g="0" b="0"/>
+      </a:effectRef>
+      <a:fontRef idx="minor"/>
+    </dgm:style>
+  </dgm:styleLbl>
+  <dgm:styleLbl name="trBgShp">
+    <dgm:scene3d>
+      <a:camera prst="orthographicFront"/>
+      <a:lightRig rig="threePt" dir="t"/>
+    </dgm:scene3d>
+    <dgm:sp3d/>
+    <dgm:txPr/>
+    <dgm:style>
+      <a:lnRef idx="0">
+        <a:scrgbClr r="0" g="0" b="0"/>
+      </a:lnRef>
+      <a:fillRef idx="1">
+        <a:scrgbClr r="0" g="0" b="0"/>
+      </a:fillRef>
+      <a:effectRef idx="0">
+        <a:scrgbClr r="0" g="0" b="0"/>
+      </a:effectRef>
+      <a:fontRef idx="minor"/>
+    </dgm:style>
+  </dgm:styleLbl>
+  <dgm:styleLbl name="fgShp">
+    <dgm:scene3d>
+      <a:camera prst="orthographicFront"/>
+      <a:lightRig rig="threePt" dir="t"/>
+    </dgm:scene3d>
+    <dgm:sp3d/>
+    <dgm:txPr/>
+    <dgm:style>
+      <a:lnRef idx="2">
+        <a:scrgbClr r="0" g="0" b="0"/>
+      </a:lnRef>
+      <a:fillRef idx="1">
+        <a:scrgbClr r="0" g="0" b="0"/>
+      </a:fillRef>
+      <a:effectRef idx="0">
+        <a:scrgbClr r="0" g="0" b="0"/>
+      </a:effectRef>
+      <a:fontRef idx="minor"/>
+    </dgm:style>
+  </dgm:styleLbl>
+  <dgm:styleLbl name="revTx">
+    <dgm:scene3d>
+      <a:camera prst="orthographicFront"/>
+      <a:lightRig rig="threePt" dir="t"/>
+    </dgm:scene3d>
+    <dgm:sp3d/>
+    <dgm:txPr/>
+    <dgm:style>
+      <a:lnRef idx="0">
+        <a:scrgbClr r="0" g="0" b="0"/>
+      </a:lnRef>
+      <a:fillRef idx="0">
+        <a:scrgbClr r="0" g="0" b="0"/>
+      </a:fillRef>
+      <a:effectRef idx="0">
+        <a:scrgbClr r="0" g="0" b="0"/>
+      </a:effectRef>
+      <a:fontRef idx="minor"/>
+    </dgm:style>
+  </dgm:styleLbl>
+</dgm:styleDef>
 </file>
 
 <file path=ppt/notesMasters/notesMaster1.xml><?xml version="1.0" encoding="utf-8"?>
@@ -559,7 +3531,7 @@
           <a:p>
             <a:fld id="{5A32675B-B9A2-434A-BA8B-3DABC6CF160C}" type="slidenum">
               <a:rPr lang="en-US" smtClean="0"/>
-              <a:t>4</a:t>
+              <a:t>5</a:t>
             </a:fld>
             <a:endParaRPr lang="en-US" dirty="0"/>
           </a:p>
@@ -3995,6 +6967,144 @@
           <a:p>
             <a:r>
               <a:rPr lang="en-US" dirty="0" smtClean="0"/>
+              <a:t>Date</a:t>
+            </a:r>
+            <a:endParaRPr lang="en-US" dirty="0"/>
+          </a:p>
+        </p:txBody>
+      </p:sp>
+      <p:pic>
+        <p:nvPicPr>
+          <p:cNvPr id="4" name="Content Placeholder 3"/>
+          <p:cNvPicPr>
+            <a:picLocks noGrp="1" noChangeAspect="1"/>
+          </p:cNvPicPr>
+          <p:nvPr>
+            <p:ph idx="1"/>
+          </p:nvPr>
+        </p:nvPicPr>
+        <p:blipFill rotWithShape="1">
+          <a:blip r:embed="rId2"/>
+          <a:srcRect l="844" t="733" r="1331" b="1600"/>
+          <a:stretch/>
+        </p:blipFill>
+        <p:spPr>
+          <a:xfrm>
+            <a:off x="975237" y="2379227"/>
+            <a:ext cx="4630994" cy="3628102"/>
+          </a:xfrm>
+          <a:prstGeom prst="rect">
+            <a:avLst/>
+          </a:prstGeom>
+        </p:spPr>
+      </p:pic>
+      <p:pic>
+        <p:nvPicPr>
+          <p:cNvPr id="5" name="Picture 4"/>
+          <p:cNvPicPr>
+            <a:picLocks noChangeAspect="1"/>
+          </p:cNvPicPr>
+          <p:nvPr/>
+        </p:nvPicPr>
+        <p:blipFill>
+          <a:blip r:embed="rId3"/>
+          <a:stretch>
+            <a:fillRect/>
+          </a:stretch>
+        </p:blipFill>
+        <p:spPr>
+          <a:xfrm>
+            <a:off x="5931770" y="2303027"/>
+            <a:ext cx="4865250" cy="3714750"/>
+          </a:xfrm>
+          <a:prstGeom prst="rect">
+            <a:avLst/>
+          </a:prstGeom>
+        </p:spPr>
+      </p:pic>
+      <p:sp>
+        <p:nvSpPr>
+          <p:cNvPr id="6" name="TextBox 5"/>
+          <p:cNvSpPr txBox="1"/>
+          <p:nvPr/>
+        </p:nvSpPr>
+        <p:spPr>
+          <a:xfrm>
+            <a:off x="1866900" y="6017777"/>
+            <a:ext cx="8686800" cy="369332"/>
+          </a:xfrm>
+          <a:prstGeom prst="rect">
+            <a:avLst/>
+          </a:prstGeom>
+          <a:noFill/>
+        </p:spPr>
+        <p:txBody>
+          <a:bodyPr wrap="square" rtlCol="0">
+            <a:spAutoFit/>
+          </a:bodyPr>
+          <a:lstStyle/>
+          <a:p>
+            <a:r>
+              <a:rPr lang="en-US" dirty="0"/>
+              <a:t>transforms to clear "Time of day" and "Time of year" signals after I convert it to seconds</a:t>
+            </a:r>
+          </a:p>
+        </p:txBody>
+      </p:sp>
+    </p:spTree>
+    <p:extLst>
+      <p:ext uri="{BB962C8B-B14F-4D97-AF65-F5344CB8AC3E}">
+        <p14:creationId xmlns:p14="http://schemas.microsoft.com/office/powerpoint/2010/main" val="1748855563"/>
+      </p:ext>
+    </p:extLst>
+  </p:cSld>
+  <p:clrMapOvr>
+    <a:masterClrMapping/>
+  </p:clrMapOvr>
+  <p:timing>
+    <p:tnLst>
+      <p:par>
+        <p:cTn id="1" dur="indefinite" restart="never" nodeType="tmRoot"/>
+      </p:par>
+    </p:tnLst>
+  </p:timing>
+</p:sld>
+</file>
+
+<file path=ppt/slides/slide11.xml><?xml version="1.0" encoding="utf-8"?>
+<p:sld xmlns:a="http://schemas.openxmlformats.org/drawingml/2006/main" xmlns:r="http://schemas.openxmlformats.org/officeDocument/2006/relationships" xmlns:p="http://schemas.openxmlformats.org/presentationml/2006/main">
+  <p:cSld>
+    <p:spTree>
+      <p:nvGrpSpPr>
+        <p:cNvPr id="1" name=""/>
+        <p:cNvGrpSpPr/>
+        <p:nvPr/>
+      </p:nvGrpSpPr>
+      <p:grpSpPr>
+        <a:xfrm>
+          <a:off x="0" y="0"/>
+          <a:ext cx="0" cy="0"/>
+          <a:chOff x="0" y="0"/>
+          <a:chExt cx="0" cy="0"/>
+        </a:xfrm>
+      </p:grpSpPr>
+      <p:sp>
+        <p:nvSpPr>
+          <p:cNvPr id="2" name="Title 1"/>
+          <p:cNvSpPr>
+            <a:spLocks noGrp="1"/>
+          </p:cNvSpPr>
+          <p:nvPr>
+            <p:ph type="title"/>
+          </p:nvPr>
+        </p:nvSpPr>
+        <p:spPr/>
+        <p:txBody>
+          <a:bodyPr/>
+          <a:lstStyle/>
+          <a:p>
+            <a:r>
+              <a:rPr lang="en-US" dirty="0" smtClean="0"/>
               <a:t>Spilt and normalized Data </a:t>
             </a:r>
             <a:endParaRPr lang="en-US" dirty="0"/>
@@ -4047,7 +7157,82 @@
 </p:sld>
 </file>
 
-<file path=ppt/slides/slide11.xml><?xml version="1.0" encoding="utf-8"?>
+<file path=ppt/slides/slide12.xml><?xml version="1.0" encoding="utf-8"?>
+<p:sld xmlns:a="http://schemas.openxmlformats.org/drawingml/2006/main" xmlns:r="http://schemas.openxmlformats.org/officeDocument/2006/relationships" xmlns:p="http://schemas.openxmlformats.org/presentationml/2006/main">
+  <p:cSld>
+    <p:spTree>
+      <p:nvGrpSpPr>
+        <p:cNvPr id="1" name=""/>
+        <p:cNvGrpSpPr/>
+        <p:nvPr/>
+      </p:nvGrpSpPr>
+      <p:grpSpPr>
+        <a:xfrm>
+          <a:off x="0" y="0"/>
+          <a:ext cx="0" cy="0"/>
+          <a:chOff x="0" y="0"/>
+          <a:chExt cx="0" cy="0"/>
+        </a:xfrm>
+      </p:grpSpPr>
+      <p:sp>
+        <p:nvSpPr>
+          <p:cNvPr id="2" name="Title 1"/>
+          <p:cNvSpPr>
+            <a:spLocks noGrp="1"/>
+          </p:cNvSpPr>
+          <p:nvPr>
+            <p:ph type="title"/>
+          </p:nvPr>
+        </p:nvSpPr>
+        <p:spPr/>
+        <p:txBody>
+          <a:bodyPr/>
+          <a:lstStyle/>
+          <a:p>
+            <a:endParaRPr lang="en-US" dirty="0"/>
+          </a:p>
+        </p:txBody>
+      </p:sp>
+      <p:sp>
+        <p:nvSpPr>
+          <p:cNvPr id="3" name="Content Placeholder 2"/>
+          <p:cNvSpPr>
+            <a:spLocks noGrp="1"/>
+          </p:cNvSpPr>
+          <p:nvPr>
+            <p:ph idx="1"/>
+          </p:nvPr>
+        </p:nvSpPr>
+        <p:spPr/>
+        <p:txBody>
+          <a:bodyPr/>
+          <a:lstStyle/>
+          <a:p>
+            <a:endParaRPr lang="en-US" dirty="0"/>
+          </a:p>
+        </p:txBody>
+      </p:sp>
+    </p:spTree>
+    <p:extLst>
+      <p:ext uri="{BB962C8B-B14F-4D97-AF65-F5344CB8AC3E}">
+        <p14:creationId xmlns:p14="http://schemas.microsoft.com/office/powerpoint/2010/main" val="1727623963"/>
+      </p:ext>
+    </p:extLst>
+  </p:cSld>
+  <p:clrMapOvr>
+    <a:masterClrMapping/>
+  </p:clrMapOvr>
+  <p:timing>
+    <p:tnLst>
+      <p:par>
+        <p:cTn id="1" dur="indefinite" restart="never" nodeType="tmRoot"/>
+      </p:par>
+    </p:tnLst>
+  </p:timing>
+</p:sld>
+</file>
+
+<file path=ppt/slides/slide13.xml><?xml version="1.0" encoding="utf-8"?>
 <p:sld xmlns:a="http://schemas.openxmlformats.org/drawingml/2006/main" xmlns:r="http://schemas.openxmlformats.org/officeDocument/2006/relationships" xmlns:p="http://schemas.openxmlformats.org/presentationml/2006/main">
   <p:cSld>
     <p:spTree>
@@ -4133,7 +7318,7 @@
 </p:sld>
 </file>
 
-<file path=ppt/slides/slide12.xml><?xml version="1.0" encoding="utf-8"?>
+<file path=ppt/slides/slide14.xml><?xml version="1.0" encoding="utf-8"?>
 <p:sld xmlns:a="http://schemas.openxmlformats.org/drawingml/2006/main" xmlns:r="http://schemas.openxmlformats.org/officeDocument/2006/relationships" xmlns:p="http://schemas.openxmlformats.org/presentationml/2006/main">
   <p:cSld>
     <p:spTree>
@@ -4241,7 +7426,7 @@
 </p:sld>
 </file>
 
-<file path=ppt/slides/slide13.xml><?xml version="1.0" encoding="utf-8"?>
+<file path=ppt/slides/slide15.xml><?xml version="1.0" encoding="utf-8"?>
 <p:sld xmlns:a="http://schemas.openxmlformats.org/drawingml/2006/main" xmlns:r="http://schemas.openxmlformats.org/officeDocument/2006/relationships" xmlns:p="http://schemas.openxmlformats.org/presentationml/2006/main">
   <p:cSld>
     <p:spTree>
@@ -4354,7 +7539,7 @@
 </p:sld>
 </file>
 
-<file path=ppt/slides/slide14.xml><?xml version="1.0" encoding="utf-8"?>
+<file path=ppt/slides/slide16.xml><?xml version="1.0" encoding="utf-8"?>
 <p:sld xmlns:a="http://schemas.openxmlformats.org/drawingml/2006/main" xmlns:r="http://schemas.openxmlformats.org/officeDocument/2006/relationships" xmlns:p="http://schemas.openxmlformats.org/presentationml/2006/main">
   <p:cSld>
     <p:spTree>
@@ -4441,7 +7626,7 @@
 </p:sld>
 </file>
 
-<file path=ppt/slides/slide15.xml><?xml version="1.0" encoding="utf-8"?>
+<file path=ppt/slides/slide17.xml><?xml version="1.0" encoding="utf-8"?>
 <p:sld xmlns:a="http://schemas.openxmlformats.org/drawingml/2006/main" xmlns:r="http://schemas.openxmlformats.org/officeDocument/2006/relationships" xmlns:p="http://schemas.openxmlformats.org/presentationml/2006/main">
   <p:cSld>
     <p:spTree>
@@ -4543,275 +7728,6 @@
 </p:sld>
 </file>
 
-<file path=ppt/slides/slide16.xml><?xml version="1.0" encoding="utf-8"?>
-<p:sld xmlns:a="http://schemas.openxmlformats.org/drawingml/2006/main" xmlns:r="http://schemas.openxmlformats.org/officeDocument/2006/relationships" xmlns:p="http://schemas.openxmlformats.org/presentationml/2006/main">
-  <p:cSld>
-    <p:spTree>
-      <p:nvGrpSpPr>
-        <p:cNvPr id="1" name=""/>
-        <p:cNvGrpSpPr/>
-        <p:nvPr/>
-      </p:nvGrpSpPr>
-      <p:grpSpPr>
-        <a:xfrm>
-          <a:off x="0" y="0"/>
-          <a:ext cx="0" cy="0"/>
-          <a:chOff x="0" y="0"/>
-          <a:chExt cx="0" cy="0"/>
-        </a:xfrm>
-      </p:grpSpPr>
-      <p:sp>
-        <p:nvSpPr>
-          <p:cNvPr id="2" name="Title 1"/>
-          <p:cNvSpPr>
-            <a:spLocks noGrp="1"/>
-          </p:cNvSpPr>
-          <p:nvPr>
-            <p:ph type="title"/>
-          </p:nvPr>
-        </p:nvSpPr>
-        <p:spPr/>
-        <p:txBody>
-          <a:bodyPr/>
-          <a:lstStyle/>
-          <a:p>
-            <a:r>
-              <a:rPr lang="en-US" dirty="0" smtClean="0"/>
-              <a:t> Industrial Stack detector</a:t>
-            </a:r>
-            <a:endParaRPr lang="en-US" dirty="0"/>
-          </a:p>
-        </p:txBody>
-      </p:sp>
-      <p:sp>
-        <p:nvSpPr>
-          <p:cNvPr id="3" name="Content Placeholder 2"/>
-          <p:cNvSpPr>
-            <a:spLocks noGrp="1"/>
-          </p:cNvSpPr>
-          <p:nvPr>
-            <p:ph idx="1"/>
-          </p:nvPr>
-        </p:nvSpPr>
-        <p:spPr/>
-        <p:txBody>
-          <a:bodyPr>
-            <a:normAutofit fontScale="92500" lnSpcReduction="10000"/>
-          </a:bodyPr>
-          <a:lstStyle/>
-          <a:p>
-            <a:endParaRPr lang="en-US" dirty="0" smtClean="0"/>
-          </a:p>
-          <a:p>
-            <a:r>
-              <a:rPr lang="en-US" dirty="0"/>
-              <a:t>Data</a:t>
-            </a:r>
-          </a:p>
-          <a:p>
-            <a:r>
-              <a:rPr lang="en-US" dirty="0" smtClean="0"/>
-              <a:t>ESA's </a:t>
-            </a:r>
-            <a:r>
-              <a:rPr lang="en-US" dirty="0"/>
-              <a:t>Sentinel-2 </a:t>
-            </a:r>
-            <a:r>
-              <a:rPr lang="en-US" dirty="0" smtClean="0"/>
-              <a:t>satellites</a:t>
-            </a:r>
-          </a:p>
-          <a:p>
-            <a:endParaRPr lang="en-US" dirty="0"/>
-          </a:p>
-          <a:p>
-            <a:endParaRPr lang="en-US" dirty="0" smtClean="0"/>
-          </a:p>
-          <a:p>
-            <a:r>
-              <a:rPr lang="en-US" sz="2000" dirty="0" smtClean="0"/>
-              <a:t>Characterization of Industrial Smoke Plumes from Remote Sensing Data</a:t>
-            </a:r>
-          </a:p>
-          <a:p>
-            <a:endParaRPr lang="en-US" sz="2000" dirty="0"/>
-          </a:p>
-          <a:p>
-            <a:r>
-              <a:rPr lang="en-US" sz="2000" dirty="0" smtClean="0"/>
-              <a:t>Library and tool:</a:t>
-            </a:r>
-          </a:p>
-          <a:p>
-            <a:r>
-              <a:rPr lang="en-US" sz="2000" dirty="0" err="1" smtClean="0"/>
-              <a:t>Colab</a:t>
-            </a:r>
-            <a:r>
-              <a:rPr lang="en-US" sz="2000" dirty="0"/>
-              <a:t> , </a:t>
-            </a:r>
-            <a:r>
-              <a:rPr lang="en-US" sz="2000" dirty="0" err="1" smtClean="0"/>
-              <a:t>geopandas</a:t>
-            </a:r>
-            <a:r>
-              <a:rPr lang="en-US" sz="2000" dirty="0" smtClean="0"/>
-              <a:t>, </a:t>
-            </a:r>
-            <a:r>
-              <a:rPr lang="en-US" sz="2000" dirty="0" err="1" smtClean="0"/>
-              <a:t>matplotlib</a:t>
-            </a:r>
-            <a:r>
-              <a:rPr lang="en-US" sz="2000" dirty="0" smtClean="0"/>
-              <a:t>, </a:t>
-            </a:r>
-            <a:r>
-              <a:rPr lang="en-US" sz="2000" dirty="0" err="1" smtClean="0"/>
-              <a:t>numpy</a:t>
-            </a:r>
-            <a:r>
-              <a:rPr lang="en-US" sz="2000" dirty="0" smtClean="0"/>
-              <a:t>, </a:t>
-            </a:r>
-            <a:r>
-              <a:rPr lang="en-US" sz="2000" dirty="0" err="1" smtClean="0"/>
-              <a:t>rasterio</a:t>
-            </a:r>
-            <a:r>
-              <a:rPr lang="en-US" sz="2000" dirty="0" smtClean="0"/>
-              <a:t>, </a:t>
-            </a:r>
-            <a:r>
-              <a:rPr lang="en-US" sz="2000" dirty="0" err="1" smtClean="0"/>
-              <a:t>scikitlearn</a:t>
-            </a:r>
-            <a:r>
-              <a:rPr lang="en-US" sz="2000" dirty="0" smtClean="0"/>
-              <a:t>, </a:t>
-            </a:r>
-            <a:r>
-              <a:rPr lang="en-US" sz="2000" dirty="0" err="1" smtClean="0"/>
-              <a:t>tensorboard</a:t>
-            </a:r>
-            <a:r>
-              <a:rPr lang="en-US" sz="2000" dirty="0" smtClean="0"/>
-              <a:t> ,torch, </a:t>
-            </a:r>
-            <a:r>
-              <a:rPr lang="en-US" sz="2000" dirty="0" err="1" smtClean="0"/>
-              <a:t>torchvision</a:t>
-            </a:r>
-            <a:endParaRPr lang="en-US" sz="2000" dirty="0" smtClean="0"/>
-          </a:p>
-        </p:txBody>
-      </p:sp>
-    </p:spTree>
-    <p:extLst>
-      <p:ext uri="{BB962C8B-B14F-4D97-AF65-F5344CB8AC3E}">
-        <p14:creationId xmlns:p14="http://schemas.microsoft.com/office/powerpoint/2010/main" val="3800380681"/>
-      </p:ext>
-    </p:extLst>
-  </p:cSld>
-  <p:clrMapOvr>
-    <a:masterClrMapping/>
-  </p:clrMapOvr>
-</p:sld>
-</file>
-
-<file path=ppt/slides/slide17.xml><?xml version="1.0" encoding="utf-8"?>
-<p:sld xmlns:a="http://schemas.openxmlformats.org/drawingml/2006/main" xmlns:r="http://schemas.openxmlformats.org/officeDocument/2006/relationships" xmlns:p="http://schemas.openxmlformats.org/presentationml/2006/main">
-  <p:cSld>
-    <p:spTree>
-      <p:nvGrpSpPr>
-        <p:cNvPr id="1" name=""/>
-        <p:cNvGrpSpPr/>
-        <p:nvPr/>
-      </p:nvGrpSpPr>
-      <p:grpSpPr>
-        <a:xfrm>
-          <a:off x="0" y="0"/>
-          <a:ext cx="0" cy="0"/>
-          <a:chOff x="0" y="0"/>
-          <a:chExt cx="0" cy="0"/>
-        </a:xfrm>
-      </p:grpSpPr>
-      <p:sp>
-        <p:nvSpPr>
-          <p:cNvPr id="2" name="Title 1"/>
-          <p:cNvSpPr>
-            <a:spLocks noGrp="1"/>
-          </p:cNvSpPr>
-          <p:nvPr>
-            <p:ph type="title"/>
-          </p:nvPr>
-        </p:nvSpPr>
-        <p:spPr/>
-        <p:txBody>
-          <a:bodyPr/>
-          <a:lstStyle/>
-          <a:p>
-            <a:r>
-              <a:rPr lang="en-US" dirty="0" smtClean="0"/>
-              <a:t>Model	</a:t>
-            </a:r>
-            <a:endParaRPr lang="en-US" dirty="0"/>
-          </a:p>
-        </p:txBody>
-      </p:sp>
-      <p:sp>
-        <p:nvSpPr>
-          <p:cNvPr id="3" name="Content Placeholder 2"/>
-          <p:cNvSpPr>
-            <a:spLocks noGrp="1"/>
-          </p:cNvSpPr>
-          <p:nvPr>
-            <p:ph idx="1"/>
-          </p:nvPr>
-        </p:nvSpPr>
-        <p:spPr/>
-        <p:txBody>
-          <a:bodyPr/>
-          <a:lstStyle/>
-          <a:p>
-            <a:r>
-              <a:rPr lang="en-US" dirty="0" smtClean="0"/>
-              <a:t>ResNet-50 binary</a:t>
-            </a:r>
-          </a:p>
-          <a:p>
-            <a:endParaRPr lang="en-US" dirty="0"/>
-          </a:p>
-          <a:p>
-            <a:r>
-              <a:rPr lang="en-US" dirty="0"/>
-              <a:t>architecture as a binary classifier. The architecture is modified to utilize a 12 multi-band channel (all Sentinel-2channels) input vector and results in a scalar logit</a:t>
-            </a:r>
-          </a:p>
-          <a:p>
-            <a:r>
-              <a:rPr lang="en-US" dirty="0" smtClean="0"/>
-              <a:t> </a:t>
-            </a:r>
-            <a:endParaRPr lang="en-US" dirty="0"/>
-          </a:p>
-        </p:txBody>
-      </p:sp>
-    </p:spTree>
-    <p:extLst>
-      <p:ext uri="{BB962C8B-B14F-4D97-AF65-F5344CB8AC3E}">
-        <p14:creationId xmlns:p14="http://schemas.microsoft.com/office/powerpoint/2010/main" val="2061721648"/>
-      </p:ext>
-    </p:extLst>
-  </p:cSld>
-  <p:clrMapOvr>
-    <a:masterClrMapping/>
-  </p:clrMapOvr>
-</p:sld>
-</file>
-
 <file path=ppt/slides/slide18.xml><?xml version="1.0" encoding="utf-8"?>
 <p:sld xmlns:a="http://schemas.openxmlformats.org/drawingml/2006/main" xmlns:r="http://schemas.openxmlformats.org/officeDocument/2006/relationships" xmlns:p="http://schemas.openxmlformats.org/presentationml/2006/main">
   <p:cSld>
@@ -4844,18 +7760,184 @@
           <a:bodyPr/>
           <a:lstStyle/>
           <a:p>
-            <a:endParaRPr lang="en-US"/>
-          </a:p>
-        </p:txBody>
-      </p:sp>
-      <p:sp>
-        <p:nvSpPr>
-          <p:cNvPr id="6" name="Content Placeholder 5"/>
+            <a:r>
+              <a:rPr lang="en-US" dirty="0" smtClean="0"/>
+              <a:t> Industrial Stack detector</a:t>
+            </a:r>
+            <a:endParaRPr lang="en-US" dirty="0"/>
+          </a:p>
+        </p:txBody>
+      </p:sp>
+      <p:sp>
+        <p:nvSpPr>
+          <p:cNvPr id="3" name="Content Placeholder 2"/>
           <p:cNvSpPr>
             <a:spLocks noGrp="1"/>
           </p:cNvSpPr>
           <p:nvPr>
             <p:ph idx="1"/>
+          </p:nvPr>
+        </p:nvSpPr>
+        <p:spPr/>
+        <p:txBody>
+          <a:bodyPr>
+            <a:normAutofit fontScale="92500" lnSpcReduction="10000"/>
+          </a:bodyPr>
+          <a:lstStyle/>
+          <a:p>
+            <a:endParaRPr lang="en-US" dirty="0" smtClean="0"/>
+          </a:p>
+          <a:p>
+            <a:r>
+              <a:rPr lang="en-US" dirty="0"/>
+              <a:t>Data</a:t>
+            </a:r>
+          </a:p>
+          <a:p>
+            <a:r>
+              <a:rPr lang="en-US" dirty="0" smtClean="0"/>
+              <a:t>ESA's </a:t>
+            </a:r>
+            <a:r>
+              <a:rPr lang="en-US" dirty="0"/>
+              <a:t>Sentinel-2 </a:t>
+            </a:r>
+            <a:r>
+              <a:rPr lang="en-US" dirty="0" smtClean="0"/>
+              <a:t>satellites</a:t>
+            </a:r>
+          </a:p>
+          <a:p>
+            <a:endParaRPr lang="en-US" dirty="0"/>
+          </a:p>
+          <a:p>
+            <a:endParaRPr lang="en-US" dirty="0" smtClean="0"/>
+          </a:p>
+          <a:p>
+            <a:r>
+              <a:rPr lang="en-US" sz="2000" dirty="0" smtClean="0"/>
+              <a:t>Characterization of Industrial Smoke Plumes from Remote Sensing Data</a:t>
+            </a:r>
+          </a:p>
+          <a:p>
+            <a:endParaRPr lang="en-US" sz="2000" dirty="0"/>
+          </a:p>
+          <a:p>
+            <a:r>
+              <a:rPr lang="en-US" sz="2000" dirty="0" smtClean="0"/>
+              <a:t>Library and tool:</a:t>
+            </a:r>
+          </a:p>
+          <a:p>
+            <a:r>
+              <a:rPr lang="en-US" sz="2000" dirty="0" err="1" smtClean="0"/>
+              <a:t>Colab</a:t>
+            </a:r>
+            <a:r>
+              <a:rPr lang="en-US" sz="2000" dirty="0"/>
+              <a:t> , </a:t>
+            </a:r>
+            <a:r>
+              <a:rPr lang="en-US" sz="2000" dirty="0" err="1" smtClean="0"/>
+              <a:t>geopandas</a:t>
+            </a:r>
+            <a:r>
+              <a:rPr lang="en-US" sz="2000" dirty="0" smtClean="0"/>
+              <a:t>, </a:t>
+            </a:r>
+            <a:r>
+              <a:rPr lang="en-US" sz="2000" dirty="0" err="1" smtClean="0"/>
+              <a:t>matplotlib</a:t>
+            </a:r>
+            <a:r>
+              <a:rPr lang="en-US" sz="2000" dirty="0" smtClean="0"/>
+              <a:t>, </a:t>
+            </a:r>
+            <a:r>
+              <a:rPr lang="en-US" sz="2000" dirty="0" err="1" smtClean="0"/>
+              <a:t>numpy</a:t>
+            </a:r>
+            <a:r>
+              <a:rPr lang="en-US" sz="2000" dirty="0" smtClean="0"/>
+              <a:t>, </a:t>
+            </a:r>
+            <a:r>
+              <a:rPr lang="en-US" sz="2000" dirty="0" err="1" smtClean="0"/>
+              <a:t>rasterio</a:t>
+            </a:r>
+            <a:r>
+              <a:rPr lang="en-US" sz="2000" dirty="0" smtClean="0"/>
+              <a:t>, </a:t>
+            </a:r>
+            <a:r>
+              <a:rPr lang="en-US" sz="2000" dirty="0" err="1" smtClean="0"/>
+              <a:t>scikitlearn</a:t>
+            </a:r>
+            <a:r>
+              <a:rPr lang="en-US" sz="2000" dirty="0" smtClean="0"/>
+              <a:t>, </a:t>
+            </a:r>
+            <a:r>
+              <a:rPr lang="en-US" sz="2000" dirty="0" err="1" smtClean="0"/>
+              <a:t>tensorboard</a:t>
+            </a:r>
+            <a:r>
+              <a:rPr lang="en-US" sz="2000" dirty="0" smtClean="0"/>
+              <a:t> ,torch, </a:t>
+            </a:r>
+            <a:r>
+              <a:rPr lang="en-US" sz="2000" dirty="0" err="1" smtClean="0"/>
+              <a:t>torchvision</a:t>
+            </a:r>
+            <a:endParaRPr lang="en-US" sz="2000" dirty="0" smtClean="0"/>
+          </a:p>
+        </p:txBody>
+      </p:sp>
+    </p:spTree>
+    <p:extLst>
+      <p:ext uri="{BB962C8B-B14F-4D97-AF65-F5344CB8AC3E}">
+        <p14:creationId xmlns:p14="http://schemas.microsoft.com/office/powerpoint/2010/main" val="3800380681"/>
+      </p:ext>
+    </p:extLst>
+  </p:cSld>
+  <p:clrMapOvr>
+    <a:masterClrMapping/>
+  </p:clrMapOvr>
+  <p:timing>
+    <p:tnLst>
+      <p:par>
+        <p:cTn id="1" dur="indefinite" restart="never" nodeType="tmRoot"/>
+      </p:par>
+    </p:tnLst>
+  </p:timing>
+</p:sld>
+</file>
+
+<file path=ppt/slides/slide19.xml><?xml version="1.0" encoding="utf-8"?>
+<p:sld xmlns:a="http://schemas.openxmlformats.org/drawingml/2006/main" xmlns:r="http://schemas.openxmlformats.org/officeDocument/2006/relationships" xmlns:p="http://schemas.openxmlformats.org/presentationml/2006/main">
+  <p:cSld>
+    <p:spTree>
+      <p:nvGrpSpPr>
+        <p:cNvPr id="1" name=""/>
+        <p:cNvGrpSpPr/>
+        <p:nvPr/>
+      </p:nvGrpSpPr>
+      <p:grpSpPr>
+        <a:xfrm>
+          <a:off x="0" y="0"/>
+          <a:ext cx="0" cy="0"/>
+          <a:chOff x="0" y="0"/>
+          <a:chExt cx="0" cy="0"/>
+        </a:xfrm>
+      </p:grpSpPr>
+      <p:sp>
+        <p:nvSpPr>
+          <p:cNvPr id="2" name="Title 1"/>
+          <p:cNvSpPr>
+            <a:spLocks noGrp="1"/>
+          </p:cNvSpPr>
+          <p:nvPr>
+            <p:ph type="title"/>
           </p:nvPr>
         </p:nvSpPr>
         <p:spPr/>
@@ -4863,6 +7945,234 @@
           <a:bodyPr/>
           <a:lstStyle/>
           <a:p>
+            <a:r>
+              <a:rPr lang="en-US" dirty="0" smtClean="0"/>
+              <a:t>Model	</a:t>
+            </a:r>
+            <a:endParaRPr lang="en-US" dirty="0"/>
+          </a:p>
+        </p:txBody>
+      </p:sp>
+      <p:sp>
+        <p:nvSpPr>
+          <p:cNvPr id="3" name="Content Placeholder 2"/>
+          <p:cNvSpPr>
+            <a:spLocks noGrp="1"/>
+          </p:cNvSpPr>
+          <p:nvPr>
+            <p:ph idx="1"/>
+          </p:nvPr>
+        </p:nvSpPr>
+        <p:spPr/>
+        <p:txBody>
+          <a:bodyPr/>
+          <a:lstStyle/>
+          <a:p>
+            <a:r>
+              <a:rPr lang="en-US" dirty="0" smtClean="0"/>
+              <a:t>ResNet-50 binary</a:t>
+            </a:r>
+          </a:p>
+          <a:p>
+            <a:endParaRPr lang="en-US" dirty="0"/>
+          </a:p>
+          <a:p>
+            <a:r>
+              <a:rPr lang="en-US" dirty="0"/>
+              <a:t>architecture as a binary classifier. The architecture is modified to utilize a 12 multi-band channel (all Sentinel-2channels) input vector and results in a scalar logit</a:t>
+            </a:r>
+          </a:p>
+          <a:p>
+            <a:r>
+              <a:rPr lang="en-US" dirty="0" smtClean="0"/>
+              <a:t> </a:t>
+            </a:r>
+            <a:endParaRPr lang="en-US" dirty="0"/>
+          </a:p>
+        </p:txBody>
+      </p:sp>
+    </p:spTree>
+    <p:extLst>
+      <p:ext uri="{BB962C8B-B14F-4D97-AF65-F5344CB8AC3E}">
+        <p14:creationId xmlns:p14="http://schemas.microsoft.com/office/powerpoint/2010/main" val="2061721648"/>
+      </p:ext>
+    </p:extLst>
+  </p:cSld>
+  <p:clrMapOvr>
+    <a:masterClrMapping/>
+  </p:clrMapOvr>
+</p:sld>
+</file>
+
+<file path=ppt/slides/slide2.xml><?xml version="1.0" encoding="utf-8"?>
+<p:sld xmlns:a="http://schemas.openxmlformats.org/drawingml/2006/main" xmlns:r="http://schemas.openxmlformats.org/officeDocument/2006/relationships" xmlns:p="http://schemas.openxmlformats.org/presentationml/2006/main">
+  <p:cSld>
+    <p:spTree>
+      <p:nvGrpSpPr>
+        <p:cNvPr id="1" name=""/>
+        <p:cNvGrpSpPr/>
+        <p:nvPr/>
+      </p:nvGrpSpPr>
+      <p:grpSpPr>
+        <a:xfrm>
+          <a:off x="0" y="0"/>
+          <a:ext cx="0" cy="0"/>
+          <a:chOff x="0" y="0"/>
+          <a:chExt cx="0" cy="0"/>
+        </a:xfrm>
+      </p:grpSpPr>
+      <p:sp>
+        <p:nvSpPr>
+          <p:cNvPr id="2" name="Title 1"/>
+          <p:cNvSpPr>
+            <a:spLocks noGrp="1"/>
+          </p:cNvSpPr>
+          <p:nvPr>
+            <p:ph type="title"/>
+          </p:nvPr>
+        </p:nvSpPr>
+        <p:spPr/>
+        <p:txBody>
+          <a:bodyPr/>
+          <a:lstStyle/>
+          <a:p>
+            <a:endParaRPr lang="en-US"/>
+          </a:p>
+        </p:txBody>
+      </p:sp>
+      <p:graphicFrame>
+        <p:nvGraphicFramePr>
+          <p:cNvPr id="4" name="Content Placeholder 3"/>
+          <p:cNvGraphicFramePr>
+            <a:graphicFrameLocks noGrp="1"/>
+          </p:cNvGraphicFramePr>
+          <p:nvPr>
+            <p:ph idx="1"/>
+            <p:extLst>
+              <p:ext uri="{D42A27DB-BD31-4B8C-83A1-F6EECF244321}">
+                <p14:modId xmlns:p14="http://schemas.microsoft.com/office/powerpoint/2010/main" val="2012720695"/>
+              </p:ext>
+            </p:extLst>
+          </p:nvPr>
+        </p:nvGraphicFramePr>
+        <p:xfrm>
+          <a:off x="676275" y="1447801"/>
+          <a:ext cx="11001375" cy="4330700"/>
+        </p:xfrm>
+        <a:graphic>
+          <a:graphicData uri="http://schemas.openxmlformats.org/drawingml/2006/diagram">
+            <dgm:relIds xmlns:dgm="http://schemas.openxmlformats.org/drawingml/2006/diagram" xmlns:r="http://schemas.openxmlformats.org/officeDocument/2006/relationships" r:dm="rId2" r:lo="rId3" r:qs="rId4" r:cs="rId5"/>
+          </a:graphicData>
+        </a:graphic>
+      </p:graphicFrame>
+    </p:spTree>
+    <p:extLst>
+      <p:ext uri="{BB962C8B-B14F-4D97-AF65-F5344CB8AC3E}">
+        <p14:creationId xmlns:p14="http://schemas.microsoft.com/office/powerpoint/2010/main" val="1919069338"/>
+      </p:ext>
+    </p:extLst>
+  </p:cSld>
+  <p:clrMapOvr>
+    <a:masterClrMapping/>
+  </p:clrMapOvr>
+  <p:timing>
+    <p:tnLst>
+      <p:par>
+        <p:cTn id="1" dur="indefinite" restart="never" nodeType="tmRoot"/>
+      </p:par>
+    </p:tnLst>
+  </p:timing>
+</p:sld>
+</file>
+
+<file path=ppt/slides/slide20.xml><?xml version="1.0" encoding="utf-8"?>
+<p:sld xmlns:a="http://schemas.openxmlformats.org/drawingml/2006/main" xmlns:r="http://schemas.openxmlformats.org/officeDocument/2006/relationships" xmlns:p="http://schemas.openxmlformats.org/presentationml/2006/main">
+  <p:cSld>
+    <p:spTree>
+      <p:nvGrpSpPr>
+        <p:cNvPr id="1" name=""/>
+        <p:cNvGrpSpPr/>
+        <p:nvPr/>
+      </p:nvGrpSpPr>
+      <p:grpSpPr>
+        <a:xfrm>
+          <a:off x="0" y="0"/>
+          <a:ext cx="0" cy="0"/>
+          <a:chOff x="0" y="0"/>
+          <a:chExt cx="0" cy="0"/>
+        </a:xfrm>
+      </p:grpSpPr>
+      <p:sp>
+        <p:nvSpPr>
+          <p:cNvPr id="2" name="Title 1"/>
+          <p:cNvSpPr>
+            <a:spLocks noGrp="1"/>
+          </p:cNvSpPr>
+          <p:nvPr>
+            <p:ph type="title"/>
+          </p:nvPr>
+        </p:nvSpPr>
+        <p:spPr/>
+        <p:txBody>
+          <a:bodyPr/>
+          <a:lstStyle/>
+          <a:p>
+            <a:endParaRPr lang="en-US" dirty="0"/>
+          </a:p>
+        </p:txBody>
+      </p:sp>
+      <p:sp>
+        <p:nvSpPr>
+          <p:cNvPr id="6" name="Content Placeholder 5"/>
+          <p:cNvSpPr>
+            <a:spLocks noGrp="1"/>
+          </p:cNvSpPr>
+          <p:nvPr>
+            <p:ph idx="1"/>
+          </p:nvPr>
+        </p:nvSpPr>
+        <p:spPr/>
+        <p:txBody>
+          <a:bodyPr>
+            <a:noAutofit/>
+          </a:bodyPr>
+          <a:lstStyle/>
+          <a:p>
+            <a:endParaRPr lang="en-US" dirty="0" smtClean="0"/>
+          </a:p>
+          <a:p>
+            <a:endParaRPr lang="en-US" dirty="0"/>
+          </a:p>
+          <a:p>
+            <a:endParaRPr lang="en-US" dirty="0" smtClean="0"/>
+          </a:p>
+          <a:p>
+            <a:endParaRPr lang="en-US" dirty="0"/>
+          </a:p>
+          <a:p>
+            <a:endParaRPr lang="en-US" dirty="0" smtClean="0"/>
+          </a:p>
+          <a:p>
+            <a:endParaRPr lang="en-US" dirty="0"/>
+          </a:p>
+          <a:p>
+            <a:endParaRPr lang="en-US" dirty="0" smtClean="0"/>
+          </a:p>
+          <a:p>
+            <a:endParaRPr lang="en-US" dirty="0"/>
+          </a:p>
+          <a:p>
+            <a:endParaRPr lang="sv-SE" dirty="0" smtClean="0"/>
+          </a:p>
+          <a:p>
+            <a:r>
+              <a:rPr lang="sv-SE" dirty="0" smtClean="0"/>
+              <a:t>Epoch </a:t>
+            </a:r>
+            <a:r>
+              <a:rPr lang="sv-SE" dirty="0"/>
+              <a:t>100: train loss=0.101, val loss=0.530, train acc=0.959, val acc=0.881</a:t>
+            </a:r>
             <a:endParaRPr lang="en-US" dirty="0"/>
           </a:p>
         </p:txBody>
@@ -4904,7 +8214,7 @@
 </p:sld>
 </file>
 
-<file path=ppt/slides/slide2.xml><?xml version="1.0" encoding="utf-8"?>
+<file path=ppt/slides/slide3.xml><?xml version="1.0" encoding="utf-8"?>
 <p:sld xmlns:a="http://schemas.openxmlformats.org/drawingml/2006/main" xmlns:r="http://schemas.openxmlformats.org/officeDocument/2006/relationships" xmlns:p="http://schemas.openxmlformats.org/presentationml/2006/main">
   <p:cSld>
     <p:spTree>
@@ -4969,8 +8279,8 @@
         </p:blipFill>
         <p:spPr bwMode="auto">
           <a:xfrm>
-            <a:off x="6043611" y="2157731"/>
-            <a:ext cx="5501052" cy="3669158"/>
+            <a:off x="1181100" y="2157731"/>
+            <a:ext cx="10363563" cy="3977282"/>
           </a:xfrm>
           <a:prstGeom prst="rect">
             <a:avLst/>
@@ -4987,125 +8297,6 @@
           </a:extLst>
         </p:spPr>
       </p:pic>
-      <p:pic>
-        <p:nvPicPr>
-          <p:cNvPr id="1028" name="Picture 4" descr="https://gm1.ggpht.com/g71fc_l3qFhO0ff1jBYIQ45WKHVo86xTM-Q-IIJr5s8aAPgKJAZBH6B4MrSE1gpkKVAQMihSLyhawH0f3wFDhlEDpP-00h73iok5USVb8GDUCNyxlbXszTc3tURmmmSkRcf6fA2uzPnunr-VT9Sf6ES7-9D9C8gXR1uCutH-cHkEgvGeFLTZ2EU2OfStQX5sAOuMLcnA32QzZuu7RLG20aocd6htVFzj3ioa58G2qdP3pf5pf6daD5q3LemhmqlHRlO5IaJWWm7UauerXc4z-7X_kbK8KqMG_AHkkSvt6s6daZYlWITASeLIbLWn1TnZJN8i1SRvs2uC5PP71GFL_Gh0jZkfPSgZmuOcib-PcJYrE4h8vbWc1S1KBZF5UEZAkoYclSVCaQPjgOyJaUcgee-5VbHdOiCVzNmDD-PL75uO3oIeyLn7OoqR7NL2aOlrrGZ-hXhUyT004xBBU2L1KKEJV5j1x4aMWFwQQYeNd-xcRksvIndSOpqfxjYvV6iNuPsVQN22Lxl53yDuhk3nnEbCQCgmhvxux7MQ05j5wfKE_h-yAfAlltEbiz5ZnnngTBsB1SdXkXBMoi8pwUx-ubv6MIe-8oZ7Px8x47YLgnMhk1EYYbj6bgWmbWgE4Wd7MnaFOi0fOWj9jB7rV78_f9CSRN1e_etgZhB1pEJjSOUfbX_zAzuEScs80B8EVJLRUIkM6hAHMDjdpI1dLc9YCusLA1pY5HfmPoqptFcW=s0-l75-ft-l75-ft"/>
-          <p:cNvPicPr>
-            <a:picLocks noChangeAspect="1" noChangeArrowheads="1"/>
-          </p:cNvPicPr>
-          <p:nvPr/>
-        </p:nvPicPr>
-        <p:blipFill rotWithShape="1">
-          <a:blip r:embed="rId3" cstate="print">
-            <a:extLst>
-              <a:ext uri="{28A0092B-C50C-407E-A947-70E740481C1C}">
-                <a14:useLocalDpi xmlns:a14="http://schemas.microsoft.com/office/drawing/2010/main" val="0"/>
-              </a:ext>
-            </a:extLst>
-          </a:blip>
-          <a:srcRect r="67086" b="41645"/>
-          <a:stretch/>
-        </p:blipFill>
-        <p:spPr bwMode="auto">
-          <a:xfrm>
-            <a:off x="973393" y="2157731"/>
-            <a:ext cx="3679195" cy="3669158"/>
-          </a:xfrm>
-          <a:prstGeom prst="rect">
-            <a:avLst/>
-          </a:prstGeom>
-          <a:noFill/>
-          <a:extLst>
-            <a:ext uri="{909E8E84-426E-40DD-AFC4-6F175D3DCCD1}">
-              <a14:hiddenFill xmlns:a14="http://schemas.microsoft.com/office/drawing/2010/main">
-                <a:solidFill>
-                  <a:srgbClr val="FFFFFF"/>
-                </a:solidFill>
-              </a14:hiddenFill>
-            </a:ext>
-          </a:extLst>
-        </p:spPr>
-      </p:pic>
-      <p:sp>
-        <p:nvSpPr>
-          <p:cNvPr id="4" name="Rectangle 3"/>
-          <p:cNvSpPr/>
-          <p:nvPr/>
-        </p:nvSpPr>
-        <p:spPr>
-          <a:xfrm>
-            <a:off x="1314450" y="2514600"/>
-            <a:ext cx="2743200" cy="1447800"/>
-          </a:xfrm>
-          <a:prstGeom prst="rect">
-            <a:avLst/>
-          </a:prstGeom>
-        </p:spPr>
-        <p:style>
-          <a:lnRef idx="2">
-            <a:schemeClr val="accent1">
-              <a:shade val="50000"/>
-            </a:schemeClr>
-          </a:lnRef>
-          <a:fillRef idx="1">
-            <a:schemeClr val="accent1"/>
-          </a:fillRef>
-          <a:effectRef idx="0">
-            <a:schemeClr val="accent1"/>
-          </a:effectRef>
-          <a:fontRef idx="minor">
-            <a:schemeClr val="lt1"/>
-          </a:fontRef>
-        </p:style>
-        <p:txBody>
-          <a:bodyPr rtlCol="0" anchor="ctr"/>
-          <a:lstStyle/>
-          <a:p>
-            <a:pPr algn="ctr"/>
-            <a:endParaRPr lang="en-US"/>
-          </a:p>
-        </p:txBody>
-      </p:sp>
-      <p:sp>
-        <p:nvSpPr>
-          <p:cNvPr id="5" name="Rounded Rectangle 4"/>
-          <p:cNvSpPr/>
-          <p:nvPr/>
-        </p:nvSpPr>
-        <p:spPr>
-          <a:xfrm>
-            <a:off x="2747588" y="4057650"/>
-            <a:ext cx="1905000" cy="1673989"/>
-          </a:xfrm>
-          <a:prstGeom prst="roundRect">
-            <a:avLst/>
-          </a:prstGeom>
-        </p:spPr>
-        <p:style>
-          <a:lnRef idx="2">
-            <a:schemeClr val="accent1">
-              <a:shade val="50000"/>
-            </a:schemeClr>
-          </a:lnRef>
-          <a:fillRef idx="1">
-            <a:schemeClr val="accent1"/>
-          </a:fillRef>
-          <a:effectRef idx="0">
-            <a:schemeClr val="accent1"/>
-          </a:effectRef>
-          <a:fontRef idx="minor">
-            <a:schemeClr val="lt1"/>
-          </a:fontRef>
-        </p:style>
-        <p:txBody>
-          <a:bodyPr rtlCol="0" anchor="ctr"/>
-          <a:lstStyle/>
-          <a:p>
-            <a:pPr algn="ctr"/>
-            <a:endParaRPr lang="en-US"/>
-          </a:p>
-        </p:txBody>
-      </p:sp>
     </p:spTree>
     <p:extLst>
       <p:ext uri="{BB962C8B-B14F-4D97-AF65-F5344CB8AC3E}">
@@ -5126,7 +8317,7 @@
 </p:sld>
 </file>
 
-<file path=ppt/slides/slide3.xml><?xml version="1.0" encoding="utf-8"?>
+<file path=ppt/slides/slide4.xml><?xml version="1.0" encoding="utf-8"?>
 <p:sld xmlns:a="http://schemas.openxmlformats.org/drawingml/2006/main" xmlns:r="http://schemas.openxmlformats.org/officeDocument/2006/relationships" xmlns:p="http://schemas.openxmlformats.org/presentationml/2006/main">
   <p:cSld>
     <p:spTree>
@@ -5229,7 +8420,7 @@
 </p:sld>
 </file>
 
-<file path=ppt/slides/slide4.xml><?xml version="1.0" encoding="utf-8"?>
+<file path=ppt/slides/slide5.xml><?xml version="1.0" encoding="utf-8"?>
 <p:sld xmlns:a="http://schemas.openxmlformats.org/drawingml/2006/main" xmlns:r="http://schemas.openxmlformats.org/officeDocument/2006/relationships" xmlns:p="http://schemas.openxmlformats.org/presentationml/2006/main">
   <p:cSld>
     <p:spTree>
@@ -5378,7 +8569,7 @@
 </p:sld>
 </file>
 
-<file path=ppt/slides/slide5.xml><?xml version="1.0" encoding="utf-8"?>
+<file path=ppt/slides/slide6.xml><?xml version="1.0" encoding="utf-8"?>
 <p:sld xmlns:a="http://schemas.openxmlformats.org/drawingml/2006/main" xmlns:r="http://schemas.openxmlformats.org/officeDocument/2006/relationships" xmlns:p="http://schemas.openxmlformats.org/presentationml/2006/main">
   <p:cSld>
     <p:spTree>
@@ -5450,10 +8641,17 @@
   <p:clrMapOvr>
     <a:masterClrMapping/>
   </p:clrMapOvr>
+  <p:timing>
+    <p:tnLst>
+      <p:par>
+        <p:cTn id="1" dur="indefinite" restart="never" nodeType="tmRoot"/>
+      </p:par>
+    </p:tnLst>
+  </p:timing>
 </p:sld>
 </file>
 
-<file path=ppt/slides/slide6.xml><?xml version="1.0" encoding="utf-8"?>
+<file path=ppt/slides/slide7.xml><?xml version="1.0" encoding="utf-8"?>
 <p:sld xmlns:a="http://schemas.openxmlformats.org/drawingml/2006/main" xmlns:r="http://schemas.openxmlformats.org/officeDocument/2006/relationships" xmlns:p="http://schemas.openxmlformats.org/presentationml/2006/main">
   <p:cSld>
     <p:spTree>
@@ -5528,10 +8726,17 @@
   <p:clrMapOvr>
     <a:masterClrMapping/>
   </p:clrMapOvr>
+  <p:timing>
+    <p:tnLst>
+      <p:par>
+        <p:cTn id="1" dur="indefinite" restart="never" nodeType="tmRoot"/>
+      </p:par>
+    </p:tnLst>
+  </p:timing>
 </p:sld>
 </file>
 
-<file path=ppt/slides/slide7.xml><?xml version="1.0" encoding="utf-8"?>
+<file path=ppt/slides/slide8.xml><?xml version="1.0" encoding="utf-8"?>
 <p:sld xmlns:a="http://schemas.openxmlformats.org/drawingml/2006/main" xmlns:r="http://schemas.openxmlformats.org/officeDocument/2006/relationships" xmlns:p="http://schemas.openxmlformats.org/presentationml/2006/main">
   <p:cSld>
     <p:spTree>
@@ -5660,7 +8865,7 @@
 </p:sld>
 </file>
 
-<file path=ppt/slides/slide8.xml><?xml version="1.0" encoding="utf-8"?>
+<file path=ppt/slides/slide9.xml><?xml version="1.0" encoding="utf-8"?>
 <p:sld xmlns:a="http://schemas.openxmlformats.org/drawingml/2006/main" xmlns:r="http://schemas.openxmlformats.org/officeDocument/2006/relationships" xmlns:p="http://schemas.openxmlformats.org/presentationml/2006/main">
   <p:cSld>
     <p:spTree>
@@ -5753,144 +8958,6 @@
     <p:extLst>
       <p:ext uri="{BB962C8B-B14F-4D97-AF65-F5344CB8AC3E}">
         <p14:creationId xmlns:p14="http://schemas.microsoft.com/office/powerpoint/2010/main" val="2731758792"/>
-      </p:ext>
-    </p:extLst>
-  </p:cSld>
-  <p:clrMapOvr>
-    <a:masterClrMapping/>
-  </p:clrMapOvr>
-  <p:timing>
-    <p:tnLst>
-      <p:par>
-        <p:cTn id="1" dur="indefinite" restart="never" nodeType="tmRoot"/>
-      </p:par>
-    </p:tnLst>
-  </p:timing>
-</p:sld>
-</file>
-
-<file path=ppt/slides/slide9.xml><?xml version="1.0" encoding="utf-8"?>
-<p:sld xmlns:a="http://schemas.openxmlformats.org/drawingml/2006/main" xmlns:r="http://schemas.openxmlformats.org/officeDocument/2006/relationships" xmlns:p="http://schemas.openxmlformats.org/presentationml/2006/main">
-  <p:cSld>
-    <p:spTree>
-      <p:nvGrpSpPr>
-        <p:cNvPr id="1" name=""/>
-        <p:cNvGrpSpPr/>
-        <p:nvPr/>
-      </p:nvGrpSpPr>
-      <p:grpSpPr>
-        <a:xfrm>
-          <a:off x="0" y="0"/>
-          <a:ext cx="0" cy="0"/>
-          <a:chOff x="0" y="0"/>
-          <a:chExt cx="0" cy="0"/>
-        </a:xfrm>
-      </p:grpSpPr>
-      <p:sp>
-        <p:nvSpPr>
-          <p:cNvPr id="2" name="Title 1"/>
-          <p:cNvSpPr>
-            <a:spLocks noGrp="1"/>
-          </p:cNvSpPr>
-          <p:nvPr>
-            <p:ph type="title"/>
-          </p:nvPr>
-        </p:nvSpPr>
-        <p:spPr/>
-        <p:txBody>
-          <a:bodyPr/>
-          <a:lstStyle/>
-          <a:p>
-            <a:r>
-              <a:rPr lang="en-US" dirty="0" smtClean="0"/>
-              <a:t>Date</a:t>
-            </a:r>
-            <a:endParaRPr lang="en-US" dirty="0"/>
-          </a:p>
-        </p:txBody>
-      </p:sp>
-      <p:pic>
-        <p:nvPicPr>
-          <p:cNvPr id="4" name="Content Placeholder 3"/>
-          <p:cNvPicPr>
-            <a:picLocks noGrp="1" noChangeAspect="1"/>
-          </p:cNvPicPr>
-          <p:nvPr>
-            <p:ph idx="1"/>
-          </p:nvPr>
-        </p:nvPicPr>
-        <p:blipFill rotWithShape="1">
-          <a:blip r:embed="rId2"/>
-          <a:srcRect l="844" t="733" r="1331" b="1600"/>
-          <a:stretch/>
-        </p:blipFill>
-        <p:spPr>
-          <a:xfrm>
-            <a:off x="975237" y="2379227"/>
-            <a:ext cx="4630994" cy="3628102"/>
-          </a:xfrm>
-          <a:prstGeom prst="rect">
-            <a:avLst/>
-          </a:prstGeom>
-        </p:spPr>
-      </p:pic>
-      <p:pic>
-        <p:nvPicPr>
-          <p:cNvPr id="5" name="Picture 4"/>
-          <p:cNvPicPr>
-            <a:picLocks noChangeAspect="1"/>
-          </p:cNvPicPr>
-          <p:nvPr/>
-        </p:nvPicPr>
-        <p:blipFill>
-          <a:blip r:embed="rId3"/>
-          <a:stretch>
-            <a:fillRect/>
-          </a:stretch>
-        </p:blipFill>
-        <p:spPr>
-          <a:xfrm>
-            <a:off x="5931770" y="2303027"/>
-            <a:ext cx="4865250" cy="3714750"/>
-          </a:xfrm>
-          <a:prstGeom prst="rect">
-            <a:avLst/>
-          </a:prstGeom>
-        </p:spPr>
-      </p:pic>
-      <p:sp>
-        <p:nvSpPr>
-          <p:cNvPr id="6" name="TextBox 5"/>
-          <p:cNvSpPr txBox="1"/>
-          <p:nvPr/>
-        </p:nvSpPr>
-        <p:spPr>
-          <a:xfrm>
-            <a:off x="1866900" y="6017777"/>
-            <a:ext cx="8686800" cy="369332"/>
-          </a:xfrm>
-          <a:prstGeom prst="rect">
-            <a:avLst/>
-          </a:prstGeom>
-          <a:noFill/>
-        </p:spPr>
-        <p:txBody>
-          <a:bodyPr wrap="square" rtlCol="0">
-            <a:spAutoFit/>
-          </a:bodyPr>
-          <a:lstStyle/>
-          <a:p>
-            <a:r>
-              <a:rPr lang="en-US" dirty="0"/>
-              <a:t>transforms to clear "Time of day" and "Time of year" signals after I convert it to seconds</a:t>
-            </a:r>
-          </a:p>
-        </p:txBody>
-      </p:sp>
-    </p:spTree>
-    <p:extLst>
-      <p:ext uri="{BB962C8B-B14F-4D97-AF65-F5344CB8AC3E}">
-        <p14:creationId xmlns:p14="http://schemas.microsoft.com/office/powerpoint/2010/main" val="1748855563"/>
       </p:ext>
     </p:extLst>
   </p:cSld>
